--- a/Docs/Presentation/Presentation.pptx
+++ b/Docs/Presentation/Presentation.pptx
@@ -124,6 +124,43 @@
     </p:ext>
   </p:extLst>
 </p:presentation>
+</file>
+
+<file path=ppt/changesInfos/changesInfo1.xml><?xml version="1.0" encoding="utf-8"?>
+<pc:chgInfo xmlns:a="http://schemas.openxmlformats.org/drawingml/2006/main" xmlns:r="http://schemas.openxmlformats.org/officeDocument/2006/relationships" xmlns:ac="http://schemas.microsoft.com/office/drawing/2013/main/command" xmlns:pc="http://schemas.microsoft.com/office/powerpoint/2013/main/command">
+  <pc:docChgLst>
+    <pc:chgData name="Conor Weldon" userId="cec216f5cb4ba868" providerId="LiveId" clId="{814D3F43-6A19-4FB6-85FE-6A1A0637D898}"/>
+    <pc:docChg chg="custSel modSld">
+      <pc:chgData name="Conor Weldon" userId="cec216f5cb4ba868" providerId="LiveId" clId="{814D3F43-6A19-4FB6-85FE-6A1A0637D898}" dt="2023-03-07T20:23:05.635" v="90" actId="27636"/>
+      <pc:docMkLst>
+        <pc:docMk/>
+      </pc:docMkLst>
+      <pc:sldChg chg="modSp mod">
+        <pc:chgData name="Conor Weldon" userId="cec216f5cb4ba868" providerId="LiveId" clId="{814D3F43-6A19-4FB6-85FE-6A1A0637D898}" dt="2023-03-07T20:23:05.635" v="90" actId="27636"/>
+        <pc:sldMkLst>
+          <pc:docMk/>
+          <pc:sldMk cId="17712397" sldId="302"/>
+        </pc:sldMkLst>
+        <pc:spChg chg="mod">
+          <ac:chgData name="Conor Weldon" userId="cec216f5cb4ba868" providerId="LiveId" clId="{814D3F43-6A19-4FB6-85FE-6A1A0637D898}" dt="2023-03-07T20:22:47.668" v="47" actId="404"/>
+          <ac:spMkLst>
+            <pc:docMk/>
+            <pc:sldMk cId="17712397" sldId="302"/>
+            <ac:spMk id="10" creationId="{802AA36A-8685-4D91-92E4-CBC45883BFFF}"/>
+          </ac:spMkLst>
+        </pc:spChg>
+        <pc:spChg chg="mod">
+          <ac:chgData name="Conor Weldon" userId="cec216f5cb4ba868" providerId="LiveId" clId="{814D3F43-6A19-4FB6-85FE-6A1A0637D898}" dt="2023-03-07T20:23:05.635" v="90" actId="27636"/>
+          <ac:spMkLst>
+            <pc:docMk/>
+            <pc:sldMk cId="17712397" sldId="302"/>
+            <ac:spMk id="12" creationId="{FF1EEC5C-B452-49AC-85CC-33670A64C477}"/>
+          </ac:spMkLst>
+        </pc:spChg>
+      </pc:sldChg>
+    </pc:docChg>
+  </pc:docChgLst>
+</pc:chgInfo>
 </file>
 
 <file path=ppt/charts/chart1.xml><?xml version="1.0" encoding="utf-8"?>
@@ -4443,8 +4480,8 @@
           <a:lstStyle/>
           <a:p>
             <a:r>
-              <a:rPr lang="en-US" dirty="0"/>
-              <a:t>Title</a:t>
+              <a:rPr lang="en-US" sz="4800" dirty="0"/>
+              <a:t>INTERIM PRESENTATION</a:t>
             </a:r>
           </a:p>
         </p:txBody>
@@ -4467,13 +4504,20 @@
         </p:nvSpPr>
         <p:spPr/>
         <p:txBody>
-          <a:bodyPr/>
+          <a:bodyPr>
+            <a:normAutofit fontScale="70000" lnSpcReduction="20000"/>
+          </a:bodyPr>
           <a:lstStyle/>
           <a:p>
             <a:r>
               <a:rPr lang="en-US" dirty="0"/>
-              <a:t>Subtitle</a:t>
+              <a:t>Conor </a:t>
             </a:r>
+            <a:r>
+              <a:rPr lang="en-US"/>
+              <a:t>Weldon – n00191746</a:t>
+            </a:r>
+            <a:endParaRPr lang="en-US" dirty="0"/>
           </a:p>
         </p:txBody>
       </p:sp>

--- a/Docs/Presentation/Presentation.pptx
+++ b/Docs/Presentation/Presentation.pptx
@@ -5,18 +5,30 @@
     <p:sldMasterId id="2147483648" r:id="rId1"/>
   </p:sldMasterIdLst>
   <p:notesMasterIdLst>
-    <p:notesMasterId r:id="rId8"/>
+    <p:notesMasterId r:id="rId20"/>
   </p:notesMasterIdLst>
   <p:handoutMasterIdLst>
-    <p:handoutMasterId r:id="rId9"/>
+    <p:handoutMasterId r:id="rId21"/>
   </p:handoutMasterIdLst>
   <p:sldIdLst>
     <p:sldId id="302" r:id="rId2"/>
-    <p:sldId id="303" r:id="rId3"/>
-    <p:sldId id="259" r:id="rId4"/>
-    <p:sldId id="289" r:id="rId5"/>
-    <p:sldId id="287" r:id="rId6"/>
-    <p:sldId id="288" r:id="rId7"/>
+    <p:sldId id="304" r:id="rId3"/>
+    <p:sldId id="310" r:id="rId4"/>
+    <p:sldId id="311" r:id="rId5"/>
+    <p:sldId id="312" r:id="rId6"/>
+    <p:sldId id="313" r:id="rId7"/>
+    <p:sldId id="303" r:id="rId8"/>
+    <p:sldId id="305" r:id="rId9"/>
+    <p:sldId id="308" r:id="rId10"/>
+    <p:sldId id="307" r:id="rId11"/>
+    <p:sldId id="306" r:id="rId12"/>
+    <p:sldId id="309" r:id="rId13"/>
+    <p:sldId id="259" r:id="rId14"/>
+    <p:sldId id="289" r:id="rId15"/>
+    <p:sldId id="287" r:id="rId16"/>
+    <p:sldId id="288" r:id="rId17"/>
+    <p:sldId id="314" r:id="rId18"/>
+    <p:sldId id="315" r:id="rId19"/>
   </p:sldIdLst>
   <p:sldSz cx="12192000" cy="6858000"/>
   <p:notesSz cx="6858000" cy="9144000"/>
@@ -126,12 +138,20 @@
 </p:presentation>
 </file>
 
+<file path=ppt/revisionInfo.xml><?xml version="1.0" encoding="utf-8"?>
+<p1510:revInfo xmlns:a="http://schemas.openxmlformats.org/drawingml/2006/main" xmlns:r="http://schemas.openxmlformats.org/officeDocument/2006/relationships" xmlns:p1510="http://schemas.microsoft.com/office/powerpoint/2015/10/main">
+  <p1510:revLst>
+    <p1510:client id="{814D3F43-6A19-4FB6-85FE-6A1A0637D898}" v="12" dt="2023-03-07T23:46:27.522"/>
+  </p1510:revLst>
+</p1510:revInfo>
+</file>
+
 <file path=ppt/changesInfos/changesInfo1.xml><?xml version="1.0" encoding="utf-8"?>
 <pc:chgInfo xmlns:a="http://schemas.openxmlformats.org/drawingml/2006/main" xmlns:r="http://schemas.openxmlformats.org/officeDocument/2006/relationships" xmlns:ac="http://schemas.microsoft.com/office/drawing/2013/main/command" xmlns:pc="http://schemas.microsoft.com/office/powerpoint/2013/main/command">
   <pc:docChgLst>
     <pc:chgData name="Conor Weldon" userId="cec216f5cb4ba868" providerId="LiveId" clId="{814D3F43-6A19-4FB6-85FE-6A1A0637D898}"/>
-    <pc:docChg chg="custSel modSld">
-      <pc:chgData name="Conor Weldon" userId="cec216f5cb4ba868" providerId="LiveId" clId="{814D3F43-6A19-4FB6-85FE-6A1A0637D898}" dt="2023-03-07T20:23:05.635" v="90" actId="27636"/>
+    <pc:docChg chg="custSel addSld modSld sldOrd">
+      <pc:chgData name="Conor Weldon" userId="cec216f5cb4ba868" providerId="LiveId" clId="{814D3F43-6A19-4FB6-85FE-6A1A0637D898}" dt="2023-03-07T23:46:02.853" v="321" actId="20577"/>
       <pc:docMkLst>
         <pc:docMk/>
       </pc:docMkLst>
@@ -155,6 +175,194 @@
             <pc:docMk/>
             <pc:sldMk cId="17712397" sldId="302"/>
             <ac:spMk id="12" creationId="{FF1EEC5C-B452-49AC-85CC-33670A64C477}"/>
+          </ac:spMkLst>
+        </pc:spChg>
+      </pc:sldChg>
+      <pc:sldChg chg="modSp new mod ord">
+        <pc:chgData name="Conor Weldon" userId="cec216f5cb4ba868" providerId="LiveId" clId="{814D3F43-6A19-4FB6-85FE-6A1A0637D898}" dt="2023-03-07T23:43:01.768" v="140" actId="20577"/>
+        <pc:sldMkLst>
+          <pc:docMk/>
+          <pc:sldMk cId="3903720611" sldId="304"/>
+        </pc:sldMkLst>
+        <pc:spChg chg="mod">
+          <ac:chgData name="Conor Weldon" userId="cec216f5cb4ba868" providerId="LiveId" clId="{814D3F43-6A19-4FB6-85FE-6A1A0637D898}" dt="2023-03-07T23:43:01.768" v="140" actId="20577"/>
+          <ac:spMkLst>
+            <pc:docMk/>
+            <pc:sldMk cId="3903720611" sldId="304"/>
+            <ac:spMk id="2" creationId="{98C07749-D2E3-A340-034C-A90215384B18}"/>
+          </ac:spMkLst>
+        </pc:spChg>
+        <pc:spChg chg="mod">
+          <ac:chgData name="Conor Weldon" userId="cec216f5cb4ba868" providerId="LiveId" clId="{814D3F43-6A19-4FB6-85FE-6A1A0637D898}" dt="2023-03-07T23:42:22.421" v="95" actId="20577"/>
+          <ac:spMkLst>
+            <pc:docMk/>
+            <pc:sldMk cId="3903720611" sldId="304"/>
+            <ac:spMk id="4" creationId="{0F845285-FF5D-0826-778E-C2A476735FE8}"/>
+          </ac:spMkLst>
+        </pc:spChg>
+      </pc:sldChg>
+      <pc:sldChg chg="modSp new mod ord">
+        <pc:chgData name="Conor Weldon" userId="cec216f5cb4ba868" providerId="LiveId" clId="{814D3F43-6A19-4FB6-85FE-6A1A0637D898}" dt="2023-03-07T23:43:17.970" v="163" actId="20577"/>
+        <pc:sldMkLst>
+          <pc:docMk/>
+          <pc:sldMk cId="2125880992" sldId="305"/>
+        </pc:sldMkLst>
+        <pc:spChg chg="mod">
+          <ac:chgData name="Conor Weldon" userId="cec216f5cb4ba868" providerId="LiveId" clId="{814D3F43-6A19-4FB6-85FE-6A1A0637D898}" dt="2023-03-07T23:43:17.970" v="163" actId="20577"/>
+          <ac:spMkLst>
+            <pc:docMk/>
+            <pc:sldMk cId="2125880992" sldId="305"/>
+            <ac:spMk id="2" creationId="{5A9453E5-8A87-BE57-9F74-3608E819E328}"/>
+          </ac:spMkLst>
+        </pc:spChg>
+      </pc:sldChg>
+      <pc:sldChg chg="modSp add mod">
+        <pc:chgData name="Conor Weldon" userId="cec216f5cb4ba868" providerId="LiveId" clId="{814D3F43-6A19-4FB6-85FE-6A1A0637D898}" dt="2023-03-07T23:43:23.763" v="175" actId="20577"/>
+        <pc:sldMkLst>
+          <pc:docMk/>
+          <pc:sldMk cId="1888420494" sldId="306"/>
+        </pc:sldMkLst>
+        <pc:spChg chg="mod">
+          <ac:chgData name="Conor Weldon" userId="cec216f5cb4ba868" providerId="LiveId" clId="{814D3F43-6A19-4FB6-85FE-6A1A0637D898}" dt="2023-03-07T23:43:23.763" v="175" actId="20577"/>
+          <ac:spMkLst>
+            <pc:docMk/>
+            <pc:sldMk cId="1888420494" sldId="306"/>
+            <ac:spMk id="2" creationId="{5A9453E5-8A87-BE57-9F74-3608E819E328}"/>
+          </ac:spMkLst>
+        </pc:spChg>
+      </pc:sldChg>
+      <pc:sldChg chg="modSp add mod ord">
+        <pc:chgData name="Conor Weldon" userId="cec216f5cb4ba868" providerId="LiveId" clId="{814D3F43-6A19-4FB6-85FE-6A1A0637D898}" dt="2023-03-07T23:43:34.052" v="188"/>
+        <pc:sldMkLst>
+          <pc:docMk/>
+          <pc:sldMk cId="3245299910" sldId="307"/>
+        </pc:sldMkLst>
+        <pc:spChg chg="mod">
+          <ac:chgData name="Conor Weldon" userId="cec216f5cb4ba868" providerId="LiveId" clId="{814D3F43-6A19-4FB6-85FE-6A1A0637D898}" dt="2023-03-07T23:43:32.140" v="186" actId="20577"/>
+          <ac:spMkLst>
+            <pc:docMk/>
+            <pc:sldMk cId="3245299910" sldId="307"/>
+            <ac:spMk id="2" creationId="{5A9453E5-8A87-BE57-9F74-3608E819E328}"/>
+          </ac:spMkLst>
+        </pc:spChg>
+      </pc:sldChg>
+      <pc:sldChg chg="modSp add mod ord">
+        <pc:chgData name="Conor Weldon" userId="cec216f5cb4ba868" providerId="LiveId" clId="{814D3F43-6A19-4FB6-85FE-6A1A0637D898}" dt="2023-03-07T23:43:46.991" v="207"/>
+        <pc:sldMkLst>
+          <pc:docMk/>
+          <pc:sldMk cId="3690973007" sldId="308"/>
+        </pc:sldMkLst>
+        <pc:spChg chg="mod">
+          <ac:chgData name="Conor Weldon" userId="cec216f5cb4ba868" providerId="LiveId" clId="{814D3F43-6A19-4FB6-85FE-6A1A0637D898}" dt="2023-03-07T23:43:43.021" v="203" actId="20577"/>
+          <ac:spMkLst>
+            <pc:docMk/>
+            <pc:sldMk cId="3690973007" sldId="308"/>
+            <ac:spMk id="2" creationId="{5A9453E5-8A87-BE57-9F74-3608E819E328}"/>
+          </ac:spMkLst>
+        </pc:spChg>
+      </pc:sldChg>
+      <pc:sldChg chg="modSp add mod">
+        <pc:chgData name="Conor Weldon" userId="cec216f5cb4ba868" providerId="LiveId" clId="{814D3F43-6A19-4FB6-85FE-6A1A0637D898}" dt="2023-03-07T23:44:17.064" v="215" actId="20577"/>
+        <pc:sldMkLst>
+          <pc:docMk/>
+          <pc:sldMk cId="2097516653" sldId="309"/>
+        </pc:sldMkLst>
+        <pc:spChg chg="mod">
+          <ac:chgData name="Conor Weldon" userId="cec216f5cb4ba868" providerId="LiveId" clId="{814D3F43-6A19-4FB6-85FE-6A1A0637D898}" dt="2023-03-07T23:44:17.064" v="215" actId="20577"/>
+          <ac:spMkLst>
+            <pc:docMk/>
+            <pc:sldMk cId="2097516653" sldId="309"/>
+            <ac:spMk id="2" creationId="{5A9453E5-8A87-BE57-9F74-3608E819E328}"/>
+          </ac:spMkLst>
+        </pc:spChg>
+      </pc:sldChg>
+      <pc:sldChg chg="modSp add mod ord">
+        <pc:chgData name="Conor Weldon" userId="cec216f5cb4ba868" providerId="LiveId" clId="{814D3F43-6A19-4FB6-85FE-6A1A0637D898}" dt="2023-03-07T23:44:48.205" v="241" actId="20577"/>
+        <pc:sldMkLst>
+          <pc:docMk/>
+          <pc:sldMk cId="2340764024" sldId="310"/>
+        </pc:sldMkLst>
+        <pc:spChg chg="mod">
+          <ac:chgData name="Conor Weldon" userId="cec216f5cb4ba868" providerId="LiveId" clId="{814D3F43-6A19-4FB6-85FE-6A1A0637D898}" dt="2023-03-07T23:44:48.205" v="241" actId="20577"/>
+          <ac:spMkLst>
+            <pc:docMk/>
+            <pc:sldMk cId="2340764024" sldId="310"/>
+            <ac:spMk id="2" creationId="{5A9453E5-8A87-BE57-9F74-3608E819E328}"/>
+          </ac:spMkLst>
+        </pc:spChg>
+      </pc:sldChg>
+      <pc:sldChg chg="modSp add mod">
+        <pc:chgData name="Conor Weldon" userId="cec216f5cb4ba868" providerId="LiveId" clId="{814D3F43-6A19-4FB6-85FE-6A1A0637D898}" dt="2023-03-07T23:45:00.510" v="268" actId="20577"/>
+        <pc:sldMkLst>
+          <pc:docMk/>
+          <pc:sldMk cId="1951089520" sldId="311"/>
+        </pc:sldMkLst>
+        <pc:spChg chg="mod">
+          <ac:chgData name="Conor Weldon" userId="cec216f5cb4ba868" providerId="LiveId" clId="{814D3F43-6A19-4FB6-85FE-6A1A0637D898}" dt="2023-03-07T23:45:00.510" v="268" actId="20577"/>
+          <ac:spMkLst>
+            <pc:docMk/>
+            <pc:sldMk cId="1951089520" sldId="311"/>
+            <ac:spMk id="2" creationId="{5A9453E5-8A87-BE57-9F74-3608E819E328}"/>
+          </ac:spMkLst>
+        </pc:spChg>
+      </pc:sldChg>
+      <pc:sldChg chg="modSp add mod">
+        <pc:chgData name="Conor Weldon" userId="cec216f5cb4ba868" providerId="LiveId" clId="{814D3F43-6A19-4FB6-85FE-6A1A0637D898}" dt="2023-03-07T23:45:05.471" v="274" actId="20577"/>
+        <pc:sldMkLst>
+          <pc:docMk/>
+          <pc:sldMk cId="1632569385" sldId="312"/>
+        </pc:sldMkLst>
+        <pc:spChg chg="mod">
+          <ac:chgData name="Conor Weldon" userId="cec216f5cb4ba868" providerId="LiveId" clId="{814D3F43-6A19-4FB6-85FE-6A1A0637D898}" dt="2023-03-07T23:45:05.471" v="274" actId="20577"/>
+          <ac:spMkLst>
+            <pc:docMk/>
+            <pc:sldMk cId="1632569385" sldId="312"/>
+            <ac:spMk id="2" creationId="{5A9453E5-8A87-BE57-9F74-3608E819E328}"/>
+          </ac:spMkLst>
+        </pc:spChg>
+      </pc:sldChg>
+      <pc:sldChg chg="modSp add mod">
+        <pc:chgData name="Conor Weldon" userId="cec216f5cb4ba868" providerId="LiveId" clId="{814D3F43-6A19-4FB6-85FE-6A1A0637D898}" dt="2023-03-07T23:45:12.167" v="286" actId="20577"/>
+        <pc:sldMkLst>
+          <pc:docMk/>
+          <pc:sldMk cId="332507919" sldId="313"/>
+        </pc:sldMkLst>
+        <pc:spChg chg="mod">
+          <ac:chgData name="Conor Weldon" userId="cec216f5cb4ba868" providerId="LiveId" clId="{814D3F43-6A19-4FB6-85FE-6A1A0637D898}" dt="2023-03-07T23:45:12.167" v="286" actId="20577"/>
+          <ac:spMkLst>
+            <pc:docMk/>
+            <pc:sldMk cId="332507919" sldId="313"/>
+            <ac:spMk id="2" creationId="{5A9453E5-8A87-BE57-9F74-3608E819E328}"/>
+          </ac:spMkLst>
+        </pc:spChg>
+      </pc:sldChg>
+      <pc:sldChg chg="modSp add mod ord">
+        <pc:chgData name="Conor Weldon" userId="cec216f5cb4ba868" providerId="LiveId" clId="{814D3F43-6A19-4FB6-85FE-6A1A0637D898}" dt="2023-03-07T23:45:57.006" v="311"/>
+        <pc:sldMkLst>
+          <pc:docMk/>
+          <pc:sldMk cId="2947907260" sldId="314"/>
+        </pc:sldMkLst>
+        <pc:spChg chg="mod">
+          <ac:chgData name="Conor Weldon" userId="cec216f5cb4ba868" providerId="LiveId" clId="{814D3F43-6A19-4FB6-85FE-6A1A0637D898}" dt="2023-03-07T23:45:52.548" v="309" actId="20577"/>
+          <ac:spMkLst>
+            <pc:docMk/>
+            <pc:sldMk cId="2947907260" sldId="314"/>
+            <ac:spMk id="2" creationId="{5A9453E5-8A87-BE57-9F74-3608E819E328}"/>
+          </ac:spMkLst>
+        </pc:spChg>
+      </pc:sldChg>
+      <pc:sldChg chg="modSp add mod">
+        <pc:chgData name="Conor Weldon" userId="cec216f5cb4ba868" providerId="LiveId" clId="{814D3F43-6A19-4FB6-85FE-6A1A0637D898}" dt="2023-03-07T23:46:02.853" v="321" actId="20577"/>
+        <pc:sldMkLst>
+          <pc:docMk/>
+          <pc:sldMk cId="3958159515" sldId="315"/>
+        </pc:sldMkLst>
+        <pc:spChg chg="mod">
+          <ac:chgData name="Conor Weldon" userId="cec216f5cb4ba868" providerId="LiveId" clId="{814D3F43-6A19-4FB6-85FE-6A1A0637D898}" dt="2023-03-07T23:46:02.853" v="321" actId="20577"/>
+          <ac:spMkLst>
+            <pc:docMk/>
+            <pc:sldMk cId="3958159515" sldId="315"/>
+            <ac:spMk id="2" creationId="{5A9453E5-8A87-BE57-9F74-3608E819E328}"/>
           </ac:spMkLst>
         </pc:spChg>
       </pc:sldChg>
@@ -464,6 +672,7 @@
         <c:axId val="96186752"/>
         <c:scaling>
           <c:orientation val="minMax"/>
+          <c:max val="6"/>
         </c:scaling>
         <c:delete val="0"/>
         <c:axPos val="l"/>
@@ -1809,7 +2018,7 @@
           <a:p>
             <a:fld id="{DB303FA8-A3F3-7640-B13D-36C73B3E5587}" type="slidenum">
               <a:rPr lang="en-US" smtClean="0"/>
-              <a:t>3</a:t>
+              <a:t>13</a:t>
             </a:fld>
             <a:endParaRPr lang="en-US" dirty="0"/>
           </a:p>
@@ -4563,6 +4772,1056 @@
 </p:sld>
 </file>
 
+<file path=ppt/slides/slide10.xml><?xml version="1.0" encoding="utf-8"?>
+<p:sld xmlns:a="http://schemas.openxmlformats.org/drawingml/2006/main" xmlns:r="http://schemas.openxmlformats.org/officeDocument/2006/relationships" xmlns:p="http://schemas.openxmlformats.org/presentationml/2006/main">
+  <p:cSld>
+    <p:spTree>
+      <p:nvGrpSpPr>
+        <p:cNvPr id="1" name=""/>
+        <p:cNvGrpSpPr/>
+        <p:nvPr/>
+      </p:nvGrpSpPr>
+      <p:grpSpPr>
+        <a:xfrm>
+          <a:off x="0" y="0"/>
+          <a:ext cx="0" cy="0"/>
+          <a:chOff x="0" y="0"/>
+          <a:chExt cx="0" cy="0"/>
+        </a:xfrm>
+      </p:grpSpPr>
+      <p:sp>
+        <p:nvSpPr>
+          <p:cNvPr id="2" name="Title 1">
+            <a:extLst>
+              <a:ext uri="{FF2B5EF4-FFF2-40B4-BE49-F238E27FC236}">
+                <a16:creationId xmlns:a16="http://schemas.microsoft.com/office/drawing/2014/main" id="{5A9453E5-8A87-BE57-9F74-3608E819E328}"/>
+              </a:ext>
+            </a:extLst>
+          </p:cNvPr>
+          <p:cNvSpPr>
+            <a:spLocks noGrp="1"/>
+          </p:cNvSpPr>
+          <p:nvPr>
+            <p:ph type="title"/>
+          </p:nvPr>
+        </p:nvSpPr>
+        <p:spPr/>
+        <p:txBody>
+          <a:bodyPr/>
+          <a:lstStyle/>
+          <a:p>
+            <a:r>
+              <a:rPr lang="en-IE" dirty="0"/>
+              <a:t>Set Backs</a:t>
+            </a:r>
+          </a:p>
+        </p:txBody>
+      </p:sp>
+      <p:sp>
+        <p:nvSpPr>
+          <p:cNvPr id="3" name="Picture Placeholder 2">
+            <a:extLst>
+              <a:ext uri="{FF2B5EF4-FFF2-40B4-BE49-F238E27FC236}">
+                <a16:creationId xmlns:a16="http://schemas.microsoft.com/office/drawing/2014/main" id="{CE8758AC-4B8D-1583-3909-B36802B7A4BA}"/>
+              </a:ext>
+            </a:extLst>
+          </p:cNvPr>
+          <p:cNvSpPr>
+            <a:spLocks noGrp="1"/>
+          </p:cNvSpPr>
+          <p:nvPr>
+            <p:ph type="pic" sz="quarter" idx="14"/>
+          </p:nvPr>
+        </p:nvSpPr>
+        <p:spPr/>
+      </p:sp>
+      <p:sp>
+        <p:nvSpPr>
+          <p:cNvPr id="4" name="Content Placeholder 3">
+            <a:extLst>
+              <a:ext uri="{FF2B5EF4-FFF2-40B4-BE49-F238E27FC236}">
+                <a16:creationId xmlns:a16="http://schemas.microsoft.com/office/drawing/2014/main" id="{C4A09AEE-5A44-B0E4-C242-F1FD776C8D15}"/>
+              </a:ext>
+            </a:extLst>
+          </p:cNvPr>
+          <p:cNvSpPr>
+            <a:spLocks noGrp="1"/>
+          </p:cNvSpPr>
+          <p:nvPr>
+            <p:ph sz="quarter" idx="15"/>
+          </p:nvPr>
+        </p:nvSpPr>
+        <p:spPr/>
+        <p:txBody>
+          <a:bodyPr/>
+          <a:lstStyle/>
+          <a:p>
+            <a:endParaRPr lang="en-IE"/>
+          </a:p>
+        </p:txBody>
+      </p:sp>
+    </p:spTree>
+    <p:extLst>
+      <p:ext uri="{BB962C8B-B14F-4D97-AF65-F5344CB8AC3E}">
+        <p14:creationId xmlns:p14="http://schemas.microsoft.com/office/powerpoint/2010/main" val="3245299910"/>
+      </p:ext>
+    </p:extLst>
+  </p:cSld>
+  <p:clrMapOvr>
+    <a:masterClrMapping/>
+  </p:clrMapOvr>
+</p:sld>
+</file>
+
+<file path=ppt/slides/slide11.xml><?xml version="1.0" encoding="utf-8"?>
+<p:sld xmlns:a="http://schemas.openxmlformats.org/drawingml/2006/main" xmlns:r="http://schemas.openxmlformats.org/officeDocument/2006/relationships" xmlns:p="http://schemas.openxmlformats.org/presentationml/2006/main">
+  <p:cSld>
+    <p:spTree>
+      <p:nvGrpSpPr>
+        <p:cNvPr id="1" name=""/>
+        <p:cNvGrpSpPr/>
+        <p:nvPr/>
+      </p:nvGrpSpPr>
+      <p:grpSpPr>
+        <a:xfrm>
+          <a:off x="0" y="0"/>
+          <a:ext cx="0" cy="0"/>
+          <a:chOff x="0" y="0"/>
+          <a:chExt cx="0" cy="0"/>
+        </a:xfrm>
+      </p:grpSpPr>
+      <p:sp>
+        <p:nvSpPr>
+          <p:cNvPr id="2" name="Title 1">
+            <a:extLst>
+              <a:ext uri="{FF2B5EF4-FFF2-40B4-BE49-F238E27FC236}">
+                <a16:creationId xmlns:a16="http://schemas.microsoft.com/office/drawing/2014/main" id="{5A9453E5-8A87-BE57-9F74-3608E819E328}"/>
+              </a:ext>
+            </a:extLst>
+          </p:cNvPr>
+          <p:cNvSpPr>
+            <a:spLocks noGrp="1"/>
+          </p:cNvSpPr>
+          <p:nvPr>
+            <p:ph type="title"/>
+          </p:nvPr>
+        </p:nvSpPr>
+        <p:spPr/>
+        <p:txBody>
+          <a:bodyPr/>
+          <a:lstStyle/>
+          <a:p>
+            <a:r>
+              <a:rPr lang="en-IE" dirty="0"/>
+              <a:t>Future Plans</a:t>
+            </a:r>
+          </a:p>
+        </p:txBody>
+      </p:sp>
+      <p:sp>
+        <p:nvSpPr>
+          <p:cNvPr id="3" name="Picture Placeholder 2">
+            <a:extLst>
+              <a:ext uri="{FF2B5EF4-FFF2-40B4-BE49-F238E27FC236}">
+                <a16:creationId xmlns:a16="http://schemas.microsoft.com/office/drawing/2014/main" id="{CE8758AC-4B8D-1583-3909-B36802B7A4BA}"/>
+              </a:ext>
+            </a:extLst>
+          </p:cNvPr>
+          <p:cNvSpPr>
+            <a:spLocks noGrp="1"/>
+          </p:cNvSpPr>
+          <p:nvPr>
+            <p:ph type="pic" sz="quarter" idx="14"/>
+          </p:nvPr>
+        </p:nvSpPr>
+        <p:spPr/>
+      </p:sp>
+      <p:sp>
+        <p:nvSpPr>
+          <p:cNvPr id="4" name="Content Placeholder 3">
+            <a:extLst>
+              <a:ext uri="{FF2B5EF4-FFF2-40B4-BE49-F238E27FC236}">
+                <a16:creationId xmlns:a16="http://schemas.microsoft.com/office/drawing/2014/main" id="{C4A09AEE-5A44-B0E4-C242-F1FD776C8D15}"/>
+              </a:ext>
+            </a:extLst>
+          </p:cNvPr>
+          <p:cNvSpPr>
+            <a:spLocks noGrp="1"/>
+          </p:cNvSpPr>
+          <p:nvPr>
+            <p:ph sz="quarter" idx="15"/>
+          </p:nvPr>
+        </p:nvSpPr>
+        <p:spPr/>
+        <p:txBody>
+          <a:bodyPr/>
+          <a:lstStyle/>
+          <a:p>
+            <a:endParaRPr lang="en-IE"/>
+          </a:p>
+        </p:txBody>
+      </p:sp>
+    </p:spTree>
+    <p:extLst>
+      <p:ext uri="{BB962C8B-B14F-4D97-AF65-F5344CB8AC3E}">
+        <p14:creationId xmlns:p14="http://schemas.microsoft.com/office/powerpoint/2010/main" val="1888420494"/>
+      </p:ext>
+    </p:extLst>
+  </p:cSld>
+  <p:clrMapOvr>
+    <a:masterClrMapping/>
+  </p:clrMapOvr>
+</p:sld>
+</file>
+
+<file path=ppt/slides/slide12.xml><?xml version="1.0" encoding="utf-8"?>
+<p:sld xmlns:a="http://schemas.openxmlformats.org/drawingml/2006/main" xmlns:r="http://schemas.openxmlformats.org/officeDocument/2006/relationships" xmlns:p="http://schemas.openxmlformats.org/presentationml/2006/main">
+  <p:cSld>
+    <p:spTree>
+      <p:nvGrpSpPr>
+        <p:cNvPr id="1" name=""/>
+        <p:cNvGrpSpPr/>
+        <p:nvPr/>
+      </p:nvGrpSpPr>
+      <p:grpSpPr>
+        <a:xfrm>
+          <a:off x="0" y="0"/>
+          <a:ext cx="0" cy="0"/>
+          <a:chOff x="0" y="0"/>
+          <a:chExt cx="0" cy="0"/>
+        </a:xfrm>
+      </p:grpSpPr>
+      <p:sp>
+        <p:nvSpPr>
+          <p:cNvPr id="2" name="Title 1">
+            <a:extLst>
+              <a:ext uri="{FF2B5EF4-FFF2-40B4-BE49-F238E27FC236}">
+                <a16:creationId xmlns:a16="http://schemas.microsoft.com/office/drawing/2014/main" id="{5A9453E5-8A87-BE57-9F74-3608E819E328}"/>
+              </a:ext>
+            </a:extLst>
+          </p:cNvPr>
+          <p:cNvSpPr>
+            <a:spLocks noGrp="1"/>
+          </p:cNvSpPr>
+          <p:nvPr>
+            <p:ph type="title"/>
+          </p:nvPr>
+        </p:nvSpPr>
+        <p:spPr/>
+        <p:txBody>
+          <a:bodyPr/>
+          <a:lstStyle/>
+          <a:p>
+            <a:r>
+              <a:rPr lang="en-IE" dirty="0"/>
+              <a:t>Sprints</a:t>
+            </a:r>
+          </a:p>
+        </p:txBody>
+      </p:sp>
+      <p:sp>
+        <p:nvSpPr>
+          <p:cNvPr id="3" name="Picture Placeholder 2">
+            <a:extLst>
+              <a:ext uri="{FF2B5EF4-FFF2-40B4-BE49-F238E27FC236}">
+                <a16:creationId xmlns:a16="http://schemas.microsoft.com/office/drawing/2014/main" id="{CE8758AC-4B8D-1583-3909-B36802B7A4BA}"/>
+              </a:ext>
+            </a:extLst>
+          </p:cNvPr>
+          <p:cNvSpPr>
+            <a:spLocks noGrp="1"/>
+          </p:cNvSpPr>
+          <p:nvPr>
+            <p:ph type="pic" sz="quarter" idx="14"/>
+          </p:nvPr>
+        </p:nvSpPr>
+        <p:spPr/>
+      </p:sp>
+      <p:sp>
+        <p:nvSpPr>
+          <p:cNvPr id="4" name="Content Placeholder 3">
+            <a:extLst>
+              <a:ext uri="{FF2B5EF4-FFF2-40B4-BE49-F238E27FC236}">
+                <a16:creationId xmlns:a16="http://schemas.microsoft.com/office/drawing/2014/main" id="{C4A09AEE-5A44-B0E4-C242-F1FD776C8D15}"/>
+              </a:ext>
+            </a:extLst>
+          </p:cNvPr>
+          <p:cNvSpPr>
+            <a:spLocks noGrp="1"/>
+          </p:cNvSpPr>
+          <p:nvPr>
+            <p:ph sz="quarter" idx="15"/>
+          </p:nvPr>
+        </p:nvSpPr>
+        <p:spPr/>
+        <p:txBody>
+          <a:bodyPr/>
+          <a:lstStyle/>
+          <a:p>
+            <a:endParaRPr lang="en-IE"/>
+          </a:p>
+        </p:txBody>
+      </p:sp>
+    </p:spTree>
+    <p:extLst>
+      <p:ext uri="{BB962C8B-B14F-4D97-AF65-F5344CB8AC3E}">
+        <p14:creationId xmlns:p14="http://schemas.microsoft.com/office/powerpoint/2010/main" val="2097516653"/>
+      </p:ext>
+    </p:extLst>
+  </p:cSld>
+  <p:clrMapOvr>
+    <a:masterClrMapping/>
+  </p:clrMapOvr>
+</p:sld>
+</file>
+
+<file path=ppt/slides/slide13.xml><?xml version="1.0" encoding="utf-8"?>
+<p:sld xmlns:a="http://schemas.openxmlformats.org/drawingml/2006/main" xmlns:r="http://schemas.openxmlformats.org/officeDocument/2006/relationships" xmlns:p="http://schemas.openxmlformats.org/presentationml/2006/main">
+  <p:cSld>
+    <p:spTree>
+      <p:nvGrpSpPr>
+        <p:cNvPr id="1" name=""/>
+        <p:cNvGrpSpPr/>
+        <p:nvPr/>
+      </p:nvGrpSpPr>
+      <p:grpSpPr>
+        <a:xfrm>
+          <a:off x="0" y="0"/>
+          <a:ext cx="0" cy="0"/>
+          <a:chOff x="0" y="0"/>
+          <a:chExt cx="0" cy="0"/>
+        </a:xfrm>
+      </p:grpSpPr>
+      <p:sp>
+        <p:nvSpPr>
+          <p:cNvPr id="21" name="Title 20">
+            <a:extLst>
+              <a:ext uri="{FF2B5EF4-FFF2-40B4-BE49-F238E27FC236}">
+                <a16:creationId xmlns:a16="http://schemas.microsoft.com/office/drawing/2014/main" id="{4095A0CF-E335-0C44-AB23-48EE18153C8F}"/>
+              </a:ext>
+            </a:extLst>
+          </p:cNvPr>
+          <p:cNvSpPr>
+            <a:spLocks noGrp="1"/>
+          </p:cNvSpPr>
+          <p:nvPr>
+            <p:ph type="title"/>
+          </p:nvPr>
+        </p:nvSpPr>
+        <p:spPr/>
+        <p:txBody>
+          <a:bodyPr/>
+          <a:lstStyle/>
+          <a:p>
+            <a:r>
+              <a:rPr lang="en-US" dirty="0"/>
+              <a:t>Title Slide 3</a:t>
+            </a:r>
+          </a:p>
+        </p:txBody>
+      </p:sp>
+      <p:sp>
+        <p:nvSpPr>
+          <p:cNvPr id="23" name="Content Placeholder 22">
+            <a:extLst>
+              <a:ext uri="{FF2B5EF4-FFF2-40B4-BE49-F238E27FC236}">
+                <a16:creationId xmlns:a16="http://schemas.microsoft.com/office/drawing/2014/main" id="{3E408D6E-B51C-CD4F-AC1A-15EC32AAB741}"/>
+              </a:ext>
+            </a:extLst>
+          </p:cNvPr>
+          <p:cNvSpPr>
+            <a:spLocks noGrp="1"/>
+          </p:cNvSpPr>
+          <p:nvPr>
+            <p:ph idx="16"/>
+          </p:nvPr>
+        </p:nvSpPr>
+        <p:spPr/>
+        <p:txBody>
+          <a:bodyPr/>
+          <a:lstStyle/>
+          <a:p>
+            <a:r>
+              <a:rPr lang="en-US" dirty="0"/>
+              <a:t>Lorem ipsum dolor sit amet, consectetuer adipiscing elit. </a:t>
+            </a:r>
+          </a:p>
+          <a:p>
+            <a:r>
+              <a:rPr lang="en-US" dirty="0"/>
+              <a:t>Maecenas porttitor congue massa. </a:t>
+            </a:r>
+          </a:p>
+          <a:p>
+            <a:r>
+              <a:rPr lang="en-US" dirty="0"/>
+              <a:t>Fusce posuere, magna sed pulvinar ultricies, purus lectus malesuada libero, sit amet commodo magna eros quis urna.</a:t>
+            </a:r>
+          </a:p>
+          <a:p>
+            <a:endParaRPr lang="ja-JP" altLang="en-US" dirty="0"/>
+          </a:p>
+        </p:txBody>
+      </p:sp>
+      <p:pic>
+        <p:nvPicPr>
+          <p:cNvPr id="5" name="Picture Placeholder 4" descr="man in front of crowd">
+            <a:extLst>
+              <a:ext uri="{FF2B5EF4-FFF2-40B4-BE49-F238E27FC236}">
+                <a16:creationId xmlns:a16="http://schemas.microsoft.com/office/drawing/2014/main" id="{EB446F87-E920-4084-8574-3F3BA2741E6E}"/>
+              </a:ext>
+            </a:extLst>
+          </p:cNvPr>
+          <p:cNvPicPr>
+            <a:picLocks noGrp="1" noChangeAspect="1"/>
+          </p:cNvPicPr>
+          <p:nvPr>
+            <p:ph type="pic" sz="quarter" idx="14"/>
+          </p:nvPr>
+        </p:nvPicPr>
+        <p:blipFill>
+          <a:blip r:embed="rId3">
+            <a:extLst>
+              <a:ext uri="{28A0092B-C50C-407E-A947-70E740481C1C}">
+                <a14:useLocalDpi xmlns:a14="http://schemas.microsoft.com/office/drawing/2010/main"/>
+              </a:ext>
+            </a:extLst>
+          </a:blip>
+          <a:srcRect/>
+          <a:stretch>
+            <a:fillRect/>
+          </a:stretch>
+        </p:blipFill>
+        <p:spPr/>
+      </p:pic>
+    </p:spTree>
+    <p:extLst>
+      <p:ext uri="{BB962C8B-B14F-4D97-AF65-F5344CB8AC3E}">
+        <p14:creationId xmlns:p14="http://schemas.microsoft.com/office/powerpoint/2010/main" val="2888113506"/>
+      </p:ext>
+    </p:extLst>
+  </p:cSld>
+  <p:clrMapOvr>
+    <a:masterClrMapping/>
+  </p:clrMapOvr>
+</p:sld>
+</file>
+
+<file path=ppt/slides/slide14.xml><?xml version="1.0" encoding="utf-8"?>
+<p:sld xmlns:a="http://schemas.openxmlformats.org/drawingml/2006/main" xmlns:r="http://schemas.openxmlformats.org/officeDocument/2006/relationships" xmlns:p="http://schemas.openxmlformats.org/presentationml/2006/main">
+  <p:cSld>
+    <p:spTree>
+      <p:nvGrpSpPr>
+        <p:cNvPr id="1" name=""/>
+        <p:cNvGrpSpPr/>
+        <p:nvPr/>
+      </p:nvGrpSpPr>
+      <p:grpSpPr>
+        <a:xfrm>
+          <a:off x="0" y="0"/>
+          <a:ext cx="0" cy="0"/>
+          <a:chOff x="0" y="0"/>
+          <a:chExt cx="0" cy="0"/>
+        </a:xfrm>
+      </p:grpSpPr>
+      <p:sp>
+        <p:nvSpPr>
+          <p:cNvPr id="3" name="Title 2">
+            <a:extLst>
+              <a:ext uri="{FF2B5EF4-FFF2-40B4-BE49-F238E27FC236}">
+                <a16:creationId xmlns:a16="http://schemas.microsoft.com/office/drawing/2014/main" id="{99F42768-7A00-44B6-B91D-8876B8A46EDC}"/>
+              </a:ext>
+            </a:extLst>
+          </p:cNvPr>
+          <p:cNvSpPr>
+            <a:spLocks noGrp="1"/>
+          </p:cNvSpPr>
+          <p:nvPr>
+            <p:ph type="title"/>
+          </p:nvPr>
+        </p:nvSpPr>
+        <p:spPr/>
+        <p:txBody>
+          <a:bodyPr/>
+          <a:lstStyle/>
+          <a:p>
+            <a:r>
+              <a:rPr lang="en-US" dirty="0"/>
+              <a:t>Title Slide 4</a:t>
+            </a:r>
+          </a:p>
+        </p:txBody>
+      </p:sp>
+      <p:sp>
+        <p:nvSpPr>
+          <p:cNvPr id="4" name="Content Placeholder 3">
+            <a:extLst>
+              <a:ext uri="{FF2B5EF4-FFF2-40B4-BE49-F238E27FC236}">
+                <a16:creationId xmlns:a16="http://schemas.microsoft.com/office/drawing/2014/main" id="{64BEB3A5-2FC8-4AD8-8BB4-F7837CBF0E16}"/>
+              </a:ext>
+            </a:extLst>
+          </p:cNvPr>
+          <p:cNvSpPr>
+            <a:spLocks noGrp="1"/>
+          </p:cNvSpPr>
+          <p:nvPr>
+            <p:ph sz="quarter" idx="15"/>
+          </p:nvPr>
+        </p:nvSpPr>
+        <p:spPr/>
+        <p:txBody>
+          <a:bodyPr/>
+          <a:lstStyle/>
+          <a:p>
+            <a:r>
+              <a:rPr lang="en-US" dirty="0"/>
+              <a:t>Lorem ipsum dolor sit amet, consectetuer adipiscing elit.</a:t>
+            </a:r>
+          </a:p>
+          <a:p>
+            <a:r>
+              <a:rPr lang="en-US" dirty="0"/>
+              <a:t>Maecenas porttitor congue massa. </a:t>
+            </a:r>
+          </a:p>
+        </p:txBody>
+      </p:sp>
+      <p:pic>
+        <p:nvPicPr>
+          <p:cNvPr id="7" name="Picture Placeholder 6" descr="large city landscape">
+            <a:extLst>
+              <a:ext uri="{FF2B5EF4-FFF2-40B4-BE49-F238E27FC236}">
+                <a16:creationId xmlns:a16="http://schemas.microsoft.com/office/drawing/2014/main" id="{E04F9018-8C84-43AA-B858-C90C833AD461}"/>
+              </a:ext>
+            </a:extLst>
+          </p:cNvPr>
+          <p:cNvPicPr>
+            <a:picLocks noGrp="1" noChangeAspect="1"/>
+          </p:cNvPicPr>
+          <p:nvPr>
+            <p:ph type="pic" sz="quarter" idx="14"/>
+          </p:nvPr>
+        </p:nvPicPr>
+        <p:blipFill>
+          <a:blip r:embed="rId2">
+            <a:extLst>
+              <a:ext uri="{28A0092B-C50C-407E-A947-70E740481C1C}">
+                <a14:useLocalDpi xmlns:a14="http://schemas.microsoft.com/office/drawing/2010/main"/>
+              </a:ext>
+            </a:extLst>
+          </a:blip>
+          <a:srcRect/>
+          <a:stretch>
+            <a:fillRect/>
+          </a:stretch>
+        </p:blipFill>
+        <p:spPr/>
+      </p:pic>
+    </p:spTree>
+    <p:extLst>
+      <p:ext uri="{BB962C8B-B14F-4D97-AF65-F5344CB8AC3E}">
+        <p14:creationId xmlns:p14="http://schemas.microsoft.com/office/powerpoint/2010/main" val="1490811680"/>
+      </p:ext>
+    </p:extLst>
+  </p:cSld>
+  <p:clrMapOvr>
+    <a:masterClrMapping/>
+  </p:clrMapOvr>
+</p:sld>
+</file>
+
+<file path=ppt/slides/slide15.xml><?xml version="1.0" encoding="utf-8"?>
+<p:sld xmlns:a="http://schemas.openxmlformats.org/drawingml/2006/main" xmlns:r="http://schemas.openxmlformats.org/officeDocument/2006/relationships" xmlns:p="http://schemas.openxmlformats.org/presentationml/2006/main">
+  <p:cSld>
+    <p:spTree>
+      <p:nvGrpSpPr>
+        <p:cNvPr id="1" name=""/>
+        <p:cNvGrpSpPr/>
+        <p:nvPr/>
+      </p:nvGrpSpPr>
+      <p:grpSpPr>
+        <a:xfrm>
+          <a:off x="0" y="0"/>
+          <a:ext cx="0" cy="0"/>
+          <a:chOff x="0" y="0"/>
+          <a:chExt cx="0" cy="0"/>
+        </a:xfrm>
+      </p:grpSpPr>
+      <p:sp>
+        <p:nvSpPr>
+          <p:cNvPr id="21" name="Title 20">
+            <a:extLst>
+              <a:ext uri="{FF2B5EF4-FFF2-40B4-BE49-F238E27FC236}">
+                <a16:creationId xmlns:a16="http://schemas.microsoft.com/office/drawing/2014/main" id="{2627AE97-340B-E245-B9C6-A4E8743E1340}"/>
+              </a:ext>
+            </a:extLst>
+          </p:cNvPr>
+          <p:cNvSpPr>
+            <a:spLocks noGrp="1"/>
+          </p:cNvSpPr>
+          <p:nvPr>
+            <p:ph type="title"/>
+          </p:nvPr>
+        </p:nvSpPr>
+        <p:spPr/>
+        <p:txBody>
+          <a:bodyPr/>
+          <a:lstStyle/>
+          <a:p>
+            <a:r>
+              <a:rPr lang="en-US" dirty="0"/>
+              <a:t>Title Slide 5</a:t>
+            </a:r>
+            <a:endParaRPr lang="en-US" altLang="ja-JP" dirty="0"/>
+          </a:p>
+        </p:txBody>
+      </p:sp>
+      <p:sp>
+        <p:nvSpPr>
+          <p:cNvPr id="15" name="Text Placeholder 14">
+            <a:extLst>
+              <a:ext uri="{FF2B5EF4-FFF2-40B4-BE49-F238E27FC236}">
+                <a16:creationId xmlns:a16="http://schemas.microsoft.com/office/drawing/2014/main" id="{919ADAFC-DC1D-4249-B968-F885B35940C9}"/>
+              </a:ext>
+            </a:extLst>
+          </p:cNvPr>
+          <p:cNvSpPr>
+            <a:spLocks noGrp="1"/>
+          </p:cNvSpPr>
+          <p:nvPr>
+            <p:ph type="body" idx="1"/>
+          </p:nvPr>
+        </p:nvSpPr>
+        <p:spPr/>
+        <p:txBody>
+          <a:bodyPr/>
+          <a:lstStyle/>
+          <a:p>
+            <a:r>
+              <a:rPr lang="en-US" dirty="0"/>
+              <a:t>Subtitle A</a:t>
+            </a:r>
+          </a:p>
+        </p:txBody>
+      </p:sp>
+      <p:sp>
+        <p:nvSpPr>
+          <p:cNvPr id="28" name="Text Placeholder 27">
+            <a:extLst>
+              <a:ext uri="{FF2B5EF4-FFF2-40B4-BE49-F238E27FC236}">
+                <a16:creationId xmlns:a16="http://schemas.microsoft.com/office/drawing/2014/main" id="{81ECBBB6-1140-7745-B57A-8FE68E837E23}"/>
+              </a:ext>
+            </a:extLst>
+          </p:cNvPr>
+          <p:cNvSpPr>
+            <a:spLocks noGrp="1"/>
+          </p:cNvSpPr>
+          <p:nvPr>
+            <p:ph type="body" idx="14"/>
+          </p:nvPr>
+        </p:nvSpPr>
+        <p:spPr/>
+        <p:txBody>
+          <a:bodyPr/>
+          <a:lstStyle/>
+          <a:p>
+            <a:r>
+              <a:rPr lang="en-US" dirty="0"/>
+              <a:t>Subtitle B</a:t>
+            </a:r>
+          </a:p>
+        </p:txBody>
+      </p:sp>
+      <p:sp>
+        <p:nvSpPr>
+          <p:cNvPr id="16" name="Content Placeholder 15">
+            <a:extLst>
+              <a:ext uri="{FF2B5EF4-FFF2-40B4-BE49-F238E27FC236}">
+                <a16:creationId xmlns:a16="http://schemas.microsoft.com/office/drawing/2014/main" id="{3017211D-9C44-B641-A078-4EA6FEE3BBF9}"/>
+              </a:ext>
+            </a:extLst>
+          </p:cNvPr>
+          <p:cNvSpPr>
+            <a:spLocks noGrp="1"/>
+          </p:cNvSpPr>
+          <p:nvPr>
+            <p:ph sz="half" idx="15"/>
+          </p:nvPr>
+        </p:nvSpPr>
+        <p:spPr/>
+        <p:txBody>
+          <a:bodyPr/>
+          <a:lstStyle/>
+          <a:p>
+            <a:r>
+              <a:rPr lang="en-US" dirty="0"/>
+              <a:t>Lorem ipsum dolor sit amet, consectetuer adipiscing elit. </a:t>
+            </a:r>
+          </a:p>
+          <a:p>
+            <a:r>
+              <a:rPr lang="en-US" dirty="0"/>
+              <a:t>Maecenas porttitor congue massa. </a:t>
+            </a:r>
+          </a:p>
+          <a:p>
+            <a:r>
+              <a:rPr lang="en-US" dirty="0"/>
+              <a:t>Fusce posuere, magna sed pulvinar ultricies, purus lectus malesuada libero, sit amet commodo magna eros quis urna.</a:t>
+            </a:r>
+          </a:p>
+          <a:p>
+            <a:endParaRPr lang="ja-JP" altLang="en-US" dirty="0"/>
+          </a:p>
+        </p:txBody>
+      </p:sp>
+      <p:sp>
+        <p:nvSpPr>
+          <p:cNvPr id="27" name="Content Placeholder 26">
+            <a:extLst>
+              <a:ext uri="{FF2B5EF4-FFF2-40B4-BE49-F238E27FC236}">
+                <a16:creationId xmlns:a16="http://schemas.microsoft.com/office/drawing/2014/main" id="{78F30852-7324-B342-92E6-181AD0A5705C}"/>
+              </a:ext>
+            </a:extLst>
+          </p:cNvPr>
+          <p:cNvSpPr>
+            <a:spLocks noGrp="1"/>
+          </p:cNvSpPr>
+          <p:nvPr>
+            <p:ph sz="half" idx="16"/>
+          </p:nvPr>
+        </p:nvSpPr>
+        <p:spPr/>
+        <p:txBody>
+          <a:bodyPr/>
+          <a:lstStyle/>
+          <a:p>
+            <a:r>
+              <a:rPr lang="en-US" dirty="0"/>
+              <a:t>Lorem ipsum dolor sit amet, consectetuer adipiscing elit. </a:t>
+            </a:r>
+          </a:p>
+          <a:p>
+            <a:r>
+              <a:rPr lang="en-US" dirty="0"/>
+              <a:t>Maecenas porttitor congue massa. </a:t>
+            </a:r>
+          </a:p>
+          <a:p>
+            <a:r>
+              <a:rPr lang="en-US" dirty="0"/>
+              <a:t>Fusce posuere, magna sed pulvinar ultricies, purus lectus malesuada libero, sit amet commodo magna eros quis urna.</a:t>
+            </a:r>
+          </a:p>
+          <a:p>
+            <a:endParaRPr lang="ja-JP" altLang="en-US" dirty="0"/>
+          </a:p>
+        </p:txBody>
+      </p:sp>
+    </p:spTree>
+    <p:extLst>
+      <p:ext uri="{BB962C8B-B14F-4D97-AF65-F5344CB8AC3E}">
+        <p14:creationId xmlns:p14="http://schemas.microsoft.com/office/powerpoint/2010/main" val="2799639823"/>
+      </p:ext>
+    </p:extLst>
+  </p:cSld>
+  <p:clrMapOvr>
+    <a:masterClrMapping/>
+  </p:clrMapOvr>
+</p:sld>
+</file>
+
+<file path=ppt/slides/slide16.xml><?xml version="1.0" encoding="utf-8"?>
+<p:sld xmlns:a="http://schemas.openxmlformats.org/drawingml/2006/main" xmlns:r="http://schemas.openxmlformats.org/officeDocument/2006/relationships" xmlns:p="http://schemas.openxmlformats.org/presentationml/2006/main">
+  <p:cSld>
+    <p:spTree>
+      <p:nvGrpSpPr>
+        <p:cNvPr id="1" name=""/>
+        <p:cNvGrpSpPr/>
+        <p:nvPr/>
+      </p:nvGrpSpPr>
+      <p:grpSpPr>
+        <a:xfrm>
+          <a:off x="0" y="0"/>
+          <a:ext cx="0" cy="0"/>
+          <a:chOff x="0" y="0"/>
+          <a:chExt cx="0" cy="0"/>
+        </a:xfrm>
+      </p:grpSpPr>
+      <p:sp>
+        <p:nvSpPr>
+          <p:cNvPr id="11" name="Title 10">
+            <a:extLst>
+              <a:ext uri="{FF2B5EF4-FFF2-40B4-BE49-F238E27FC236}">
+                <a16:creationId xmlns:a16="http://schemas.microsoft.com/office/drawing/2014/main" id="{010FB232-4CB4-C34D-A688-C51B6E7CD2CF}"/>
+              </a:ext>
+            </a:extLst>
+          </p:cNvPr>
+          <p:cNvSpPr>
+            <a:spLocks noGrp="1"/>
+          </p:cNvSpPr>
+          <p:nvPr>
+            <p:ph type="title"/>
+          </p:nvPr>
+        </p:nvSpPr>
+        <p:spPr/>
+        <p:txBody>
+          <a:bodyPr/>
+          <a:lstStyle/>
+          <a:p>
+            <a:r>
+              <a:rPr lang="en-US" dirty="0"/>
+              <a:t>Title Slide 6</a:t>
+            </a:r>
+          </a:p>
+        </p:txBody>
+      </p:sp>
+      <p:graphicFrame>
+        <p:nvGraphicFramePr>
+          <p:cNvPr id="6" name="Content Placeholder 5" descr="Clustered column chart that shows values for three data series in four categories.">
+            <a:extLst>
+              <a:ext uri="{FF2B5EF4-FFF2-40B4-BE49-F238E27FC236}">
+                <a16:creationId xmlns:a16="http://schemas.microsoft.com/office/drawing/2014/main" id="{CD40C41F-A4A2-A745-B650-65EBCEB1C061}"/>
+              </a:ext>
+            </a:extLst>
+          </p:cNvPr>
+          <p:cNvGraphicFramePr>
+            <a:graphicFrameLocks noGrp="1"/>
+          </p:cNvGraphicFramePr>
+          <p:nvPr>
+            <p:ph idx="4294967295"/>
+            <p:extLst>
+              <p:ext uri="{D42A27DB-BD31-4B8C-83A1-F6EECF244321}">
+                <p14:modId xmlns:p14="http://schemas.microsoft.com/office/powerpoint/2010/main" val="1774722147"/>
+              </p:ext>
+            </p:extLst>
+          </p:nvPr>
+        </p:nvGraphicFramePr>
+        <p:xfrm>
+          <a:off x="639763" y="1900517"/>
+          <a:ext cx="10912475" cy="4276445"/>
+        </p:xfrm>
+        <a:graphic>
+          <a:graphicData uri="http://schemas.openxmlformats.org/drawingml/2006/chart">
+            <c:chart xmlns:c="http://schemas.openxmlformats.org/drawingml/2006/chart" xmlns:r="http://schemas.openxmlformats.org/officeDocument/2006/relationships" r:id="rId2"/>
+          </a:graphicData>
+        </a:graphic>
+      </p:graphicFrame>
+    </p:spTree>
+    <p:extLst>
+      <p:ext uri="{BB962C8B-B14F-4D97-AF65-F5344CB8AC3E}">
+        <p14:creationId xmlns:p14="http://schemas.microsoft.com/office/powerpoint/2010/main" val="290282695"/>
+      </p:ext>
+    </p:extLst>
+  </p:cSld>
+  <p:clrMapOvr>
+    <a:masterClrMapping/>
+  </p:clrMapOvr>
+</p:sld>
+</file>
+
+<file path=ppt/slides/slide17.xml><?xml version="1.0" encoding="utf-8"?>
+<p:sld xmlns:a="http://schemas.openxmlformats.org/drawingml/2006/main" xmlns:r="http://schemas.openxmlformats.org/officeDocument/2006/relationships" xmlns:p="http://schemas.openxmlformats.org/presentationml/2006/main">
+  <p:cSld>
+    <p:spTree>
+      <p:nvGrpSpPr>
+        <p:cNvPr id="1" name=""/>
+        <p:cNvGrpSpPr/>
+        <p:nvPr/>
+      </p:nvGrpSpPr>
+      <p:grpSpPr>
+        <a:xfrm>
+          <a:off x="0" y="0"/>
+          <a:ext cx="0" cy="0"/>
+          <a:chOff x="0" y="0"/>
+          <a:chExt cx="0" cy="0"/>
+        </a:xfrm>
+      </p:grpSpPr>
+      <p:sp>
+        <p:nvSpPr>
+          <p:cNvPr id="2" name="Title 1">
+            <a:extLst>
+              <a:ext uri="{FF2B5EF4-FFF2-40B4-BE49-F238E27FC236}">
+                <a16:creationId xmlns:a16="http://schemas.microsoft.com/office/drawing/2014/main" id="{5A9453E5-8A87-BE57-9F74-3608E819E328}"/>
+              </a:ext>
+            </a:extLst>
+          </p:cNvPr>
+          <p:cNvSpPr>
+            <a:spLocks noGrp="1"/>
+          </p:cNvSpPr>
+          <p:nvPr>
+            <p:ph type="title"/>
+          </p:nvPr>
+        </p:nvSpPr>
+        <p:spPr/>
+        <p:txBody>
+          <a:bodyPr/>
+          <a:lstStyle/>
+          <a:p>
+            <a:r>
+              <a:rPr lang="en-IE" dirty="0"/>
+              <a:t>Questions?</a:t>
+            </a:r>
+          </a:p>
+        </p:txBody>
+      </p:sp>
+      <p:sp>
+        <p:nvSpPr>
+          <p:cNvPr id="3" name="Picture Placeholder 2">
+            <a:extLst>
+              <a:ext uri="{FF2B5EF4-FFF2-40B4-BE49-F238E27FC236}">
+                <a16:creationId xmlns:a16="http://schemas.microsoft.com/office/drawing/2014/main" id="{CE8758AC-4B8D-1583-3909-B36802B7A4BA}"/>
+              </a:ext>
+            </a:extLst>
+          </p:cNvPr>
+          <p:cNvSpPr>
+            <a:spLocks noGrp="1"/>
+          </p:cNvSpPr>
+          <p:nvPr>
+            <p:ph type="pic" sz="quarter" idx="14"/>
+          </p:nvPr>
+        </p:nvSpPr>
+        <p:spPr/>
+      </p:sp>
+      <p:sp>
+        <p:nvSpPr>
+          <p:cNvPr id="4" name="Content Placeholder 3">
+            <a:extLst>
+              <a:ext uri="{FF2B5EF4-FFF2-40B4-BE49-F238E27FC236}">
+                <a16:creationId xmlns:a16="http://schemas.microsoft.com/office/drawing/2014/main" id="{C4A09AEE-5A44-B0E4-C242-F1FD776C8D15}"/>
+              </a:ext>
+            </a:extLst>
+          </p:cNvPr>
+          <p:cNvSpPr>
+            <a:spLocks noGrp="1"/>
+          </p:cNvSpPr>
+          <p:nvPr>
+            <p:ph sz="quarter" idx="15"/>
+          </p:nvPr>
+        </p:nvSpPr>
+        <p:spPr/>
+        <p:txBody>
+          <a:bodyPr/>
+          <a:lstStyle/>
+          <a:p>
+            <a:endParaRPr lang="en-IE"/>
+          </a:p>
+        </p:txBody>
+      </p:sp>
+    </p:spTree>
+    <p:extLst>
+      <p:ext uri="{BB962C8B-B14F-4D97-AF65-F5344CB8AC3E}">
+        <p14:creationId xmlns:p14="http://schemas.microsoft.com/office/powerpoint/2010/main" val="2947907260"/>
+      </p:ext>
+    </p:extLst>
+  </p:cSld>
+  <p:clrMapOvr>
+    <a:masterClrMapping/>
+  </p:clrMapOvr>
+</p:sld>
+</file>
+
+<file path=ppt/slides/slide18.xml><?xml version="1.0" encoding="utf-8"?>
+<p:sld xmlns:a="http://schemas.openxmlformats.org/drawingml/2006/main" xmlns:r="http://schemas.openxmlformats.org/officeDocument/2006/relationships" xmlns:p="http://schemas.openxmlformats.org/presentationml/2006/main">
+  <p:cSld>
+    <p:spTree>
+      <p:nvGrpSpPr>
+        <p:cNvPr id="1" name=""/>
+        <p:cNvGrpSpPr/>
+        <p:nvPr/>
+      </p:nvGrpSpPr>
+      <p:grpSpPr>
+        <a:xfrm>
+          <a:off x="0" y="0"/>
+          <a:ext cx="0" cy="0"/>
+          <a:chOff x="0" y="0"/>
+          <a:chExt cx="0" cy="0"/>
+        </a:xfrm>
+      </p:grpSpPr>
+      <p:sp>
+        <p:nvSpPr>
+          <p:cNvPr id="2" name="Title 1">
+            <a:extLst>
+              <a:ext uri="{FF2B5EF4-FFF2-40B4-BE49-F238E27FC236}">
+                <a16:creationId xmlns:a16="http://schemas.microsoft.com/office/drawing/2014/main" id="{5A9453E5-8A87-BE57-9F74-3608E819E328}"/>
+              </a:ext>
+            </a:extLst>
+          </p:cNvPr>
+          <p:cNvSpPr>
+            <a:spLocks noGrp="1"/>
+          </p:cNvSpPr>
+          <p:nvPr>
+            <p:ph type="title"/>
+          </p:nvPr>
+        </p:nvSpPr>
+        <p:spPr/>
+        <p:txBody>
+          <a:bodyPr/>
+          <a:lstStyle/>
+          <a:p>
+            <a:r>
+              <a:rPr lang="en-IE" dirty="0"/>
+              <a:t>Thank You</a:t>
+            </a:r>
+          </a:p>
+        </p:txBody>
+      </p:sp>
+      <p:sp>
+        <p:nvSpPr>
+          <p:cNvPr id="3" name="Picture Placeholder 2">
+            <a:extLst>
+              <a:ext uri="{FF2B5EF4-FFF2-40B4-BE49-F238E27FC236}">
+                <a16:creationId xmlns:a16="http://schemas.microsoft.com/office/drawing/2014/main" id="{CE8758AC-4B8D-1583-3909-B36802B7A4BA}"/>
+              </a:ext>
+            </a:extLst>
+          </p:cNvPr>
+          <p:cNvSpPr>
+            <a:spLocks noGrp="1"/>
+          </p:cNvSpPr>
+          <p:nvPr>
+            <p:ph type="pic" sz="quarter" idx="14"/>
+          </p:nvPr>
+        </p:nvSpPr>
+        <p:spPr/>
+      </p:sp>
+      <p:sp>
+        <p:nvSpPr>
+          <p:cNvPr id="4" name="Content Placeholder 3">
+            <a:extLst>
+              <a:ext uri="{FF2B5EF4-FFF2-40B4-BE49-F238E27FC236}">
+                <a16:creationId xmlns:a16="http://schemas.microsoft.com/office/drawing/2014/main" id="{C4A09AEE-5A44-B0E4-C242-F1FD776C8D15}"/>
+              </a:ext>
+            </a:extLst>
+          </p:cNvPr>
+          <p:cNvSpPr>
+            <a:spLocks noGrp="1"/>
+          </p:cNvSpPr>
+          <p:nvPr>
+            <p:ph sz="quarter" idx="15"/>
+          </p:nvPr>
+        </p:nvSpPr>
+        <p:spPr/>
+        <p:txBody>
+          <a:bodyPr/>
+          <a:lstStyle/>
+          <a:p>
+            <a:endParaRPr lang="en-IE"/>
+          </a:p>
+        </p:txBody>
+      </p:sp>
+    </p:spTree>
+    <p:extLst>
+      <p:ext uri="{BB962C8B-B14F-4D97-AF65-F5344CB8AC3E}">
+        <p14:creationId xmlns:p14="http://schemas.microsoft.com/office/powerpoint/2010/main" val="3958159515"/>
+      </p:ext>
+    </p:extLst>
+  </p:cSld>
+  <p:clrMapOvr>
+    <a:masterClrMapping/>
+  </p:clrMapOvr>
+</p:sld>
+</file>
+
 <file path=ppt/slides/slide2.xml><?xml version="1.0" encoding="utf-8"?>
 <p:sld xmlns:a="http://schemas.openxmlformats.org/drawingml/2006/main" xmlns:r="http://schemas.openxmlformats.org/officeDocument/2006/relationships" xmlns:p="http://schemas.openxmlformats.org/presentationml/2006/main">
   <p:cSld>
@@ -4585,7 +5844,7 @@
           <p:cNvPr id="2" name="Title 1">
             <a:extLst>
               <a:ext uri="{FF2B5EF4-FFF2-40B4-BE49-F238E27FC236}">
-                <a16:creationId xmlns:a16="http://schemas.microsoft.com/office/drawing/2014/main" id="{3FE5064C-0C77-40EF-B78A-227F2C923485}"/>
+                <a16:creationId xmlns:a16="http://schemas.microsoft.com/office/drawing/2014/main" id="{98C07749-D2E3-A340-034C-A90215384B18}"/>
               </a:ext>
             </a:extLst>
           </p:cNvPr>
@@ -4602,26 +5861,44 @@
           <a:lstStyle/>
           <a:p>
             <a:r>
-              <a:rPr lang="en-US" dirty="0"/>
-              <a:t>Title Slide 2</a:t>
+              <a:rPr lang="en-IE" dirty="0"/>
+              <a:t>Thesis Overview</a:t>
             </a:r>
           </a:p>
         </p:txBody>
       </p:sp>
       <p:sp>
         <p:nvSpPr>
-          <p:cNvPr id="3" name="Content Placeholder 2">
-            <a:extLst>
-              <a:ext uri="{FF2B5EF4-FFF2-40B4-BE49-F238E27FC236}">
-                <a16:creationId xmlns:a16="http://schemas.microsoft.com/office/drawing/2014/main" id="{41FFDDD6-E8E3-4FD4-A371-90094C459EEF}"/>
-              </a:ext>
-            </a:extLst>
-          </p:cNvPr>
-          <p:cNvSpPr>
-            <a:spLocks noGrp="1"/>
-          </p:cNvSpPr>
-          <p:nvPr>
-            <p:ph sz="quarter" idx="13"/>
+          <p:cNvPr id="3" name="Picture Placeholder 2">
+            <a:extLst>
+              <a:ext uri="{FF2B5EF4-FFF2-40B4-BE49-F238E27FC236}">
+                <a16:creationId xmlns:a16="http://schemas.microsoft.com/office/drawing/2014/main" id="{8B8C4516-F2AA-FA47-BDBB-43DEFEA8908B}"/>
+              </a:ext>
+            </a:extLst>
+          </p:cNvPr>
+          <p:cNvSpPr>
+            <a:spLocks noGrp="1"/>
+          </p:cNvSpPr>
+          <p:nvPr>
+            <p:ph type="pic" sz="quarter" idx="14"/>
+          </p:nvPr>
+        </p:nvSpPr>
+        <p:spPr/>
+      </p:sp>
+      <p:sp>
+        <p:nvSpPr>
+          <p:cNvPr id="4" name="Content Placeholder 3">
+            <a:extLst>
+              <a:ext uri="{FF2B5EF4-FFF2-40B4-BE49-F238E27FC236}">
+                <a16:creationId xmlns:a16="http://schemas.microsoft.com/office/drawing/2014/main" id="{0F845285-FF5D-0826-778E-C2A476735FE8}"/>
+              </a:ext>
+            </a:extLst>
+          </p:cNvPr>
+          <p:cNvSpPr>
+            <a:spLocks noGrp="1"/>
+          </p:cNvSpPr>
+          <p:nvPr>
+            <p:ph sz="quarter" idx="16"/>
           </p:nvPr>
         </p:nvSpPr>
         <p:spPr/>
@@ -4630,43 +5907,16 @@
           <a:lstStyle/>
           <a:p>
             <a:r>
-              <a:rPr lang="en-US" dirty="0"/>
-              <a:t>Lorem ipsum dolor sit amet, consectetuer adipiscing elit. Maecenas porttitor congue massa. Fusce posuere, magna sed pulvinar ultricies, purus lectus malesuada libero, sit amet commodo magna eros quis urna.</a:t>
+              <a:rPr lang="en-IE" dirty="0"/>
+              <a:t> vdc</a:t>
             </a:r>
-          </a:p>
-          <a:p>
-            <a:r>
-              <a:rPr lang="en-US" dirty="0"/>
-              <a:t>Nunc viverra imperdiet enim. Fusce est. Vivamus a tellus.</a:t>
-            </a:r>
-          </a:p>
-          <a:p>
-            <a:r>
-              <a:rPr lang="en-US" dirty="0"/>
-              <a:t>Pellentesque habitant morbi tristique senectus et netus et malesuada fames ac turpis egestas. Proin pharetra nonummy pede. Mauris et orci.</a:t>
-            </a:r>
-          </a:p>
-          <a:p>
-            <a:r>
-              <a:rPr lang="en-US" dirty="0"/>
-              <a:t>Lorem ipsum dolor sit amet, consectetuer adipiscing elit. </a:t>
-            </a:r>
-          </a:p>
-          <a:p>
-            <a:r>
-              <a:rPr lang="en-US" dirty="0"/>
-              <a:t>Maecenas porttitor congue massa. Fusce posuere, magna sed pulvinar ultricies, purus lectus malesuada libero, sit amet commodo magna eros quis urna.</a:t>
-            </a:r>
-          </a:p>
-          <a:p>
-            <a:endParaRPr lang="en-US" dirty="0"/>
           </a:p>
         </p:txBody>
       </p:sp>
     </p:spTree>
     <p:extLst>
       <p:ext uri="{BB962C8B-B14F-4D97-AF65-F5344CB8AC3E}">
-        <p14:creationId xmlns:p14="http://schemas.microsoft.com/office/powerpoint/2010/main" val="2028633341"/>
+        <p14:creationId xmlns:p14="http://schemas.microsoft.com/office/powerpoint/2010/main" val="3903720611"/>
       </p:ext>
     </p:extLst>
   </p:cSld>
@@ -4695,10 +5945,10 @@
       </p:grpSpPr>
       <p:sp>
         <p:nvSpPr>
-          <p:cNvPr id="21" name="Title 20">
-            <a:extLst>
-              <a:ext uri="{FF2B5EF4-FFF2-40B4-BE49-F238E27FC236}">
-                <a16:creationId xmlns:a16="http://schemas.microsoft.com/office/drawing/2014/main" id="{4095A0CF-E335-0C44-AB23-48EE18153C8F}"/>
+          <p:cNvPr id="2" name="Title 1">
+            <a:extLst>
+              <a:ext uri="{FF2B5EF4-FFF2-40B4-BE49-F238E27FC236}">
+                <a16:creationId xmlns:a16="http://schemas.microsoft.com/office/drawing/2014/main" id="{5A9453E5-8A87-BE57-9F74-3608E819E328}"/>
               </a:ext>
             </a:extLst>
           </p:cNvPr>
@@ -4715,26 +5965,44 @@
           <a:lstStyle/>
           <a:p>
             <a:r>
-              <a:rPr lang="en-US" dirty="0"/>
-              <a:t>Title Slide 3</a:t>
+              <a:rPr lang="en-IE" dirty="0"/>
+              <a:t>Applications Being Used</a:t>
             </a:r>
           </a:p>
         </p:txBody>
       </p:sp>
       <p:sp>
         <p:nvSpPr>
-          <p:cNvPr id="23" name="Content Placeholder 22">
-            <a:extLst>
-              <a:ext uri="{FF2B5EF4-FFF2-40B4-BE49-F238E27FC236}">
-                <a16:creationId xmlns:a16="http://schemas.microsoft.com/office/drawing/2014/main" id="{3E408D6E-B51C-CD4F-AC1A-15EC32AAB741}"/>
-              </a:ext>
-            </a:extLst>
-          </p:cNvPr>
-          <p:cNvSpPr>
-            <a:spLocks noGrp="1"/>
-          </p:cNvSpPr>
-          <p:nvPr>
-            <p:ph idx="16"/>
+          <p:cNvPr id="3" name="Picture Placeholder 2">
+            <a:extLst>
+              <a:ext uri="{FF2B5EF4-FFF2-40B4-BE49-F238E27FC236}">
+                <a16:creationId xmlns:a16="http://schemas.microsoft.com/office/drawing/2014/main" id="{CE8758AC-4B8D-1583-3909-B36802B7A4BA}"/>
+              </a:ext>
+            </a:extLst>
+          </p:cNvPr>
+          <p:cNvSpPr>
+            <a:spLocks noGrp="1"/>
+          </p:cNvSpPr>
+          <p:nvPr>
+            <p:ph type="pic" sz="quarter" idx="14"/>
+          </p:nvPr>
+        </p:nvSpPr>
+        <p:spPr/>
+      </p:sp>
+      <p:sp>
+        <p:nvSpPr>
+          <p:cNvPr id="4" name="Content Placeholder 3">
+            <a:extLst>
+              <a:ext uri="{FF2B5EF4-FFF2-40B4-BE49-F238E27FC236}">
+                <a16:creationId xmlns:a16="http://schemas.microsoft.com/office/drawing/2014/main" id="{C4A09AEE-5A44-B0E4-C242-F1FD776C8D15}"/>
+              </a:ext>
+            </a:extLst>
+          </p:cNvPr>
+          <p:cNvSpPr>
+            <a:spLocks noGrp="1"/>
+          </p:cNvSpPr>
+          <p:nvPr>
+            <p:ph sz="quarter" idx="15"/>
           </p:nvPr>
         </p:nvSpPr>
         <p:spPr/>
@@ -4742,63 +6010,14 @@
           <a:bodyPr/>
           <a:lstStyle/>
           <a:p>
-            <a:r>
-              <a:rPr lang="en-US" dirty="0"/>
-              <a:t>Lorem ipsum dolor sit amet, consectetuer adipiscing elit. </a:t>
-            </a:r>
-          </a:p>
-          <a:p>
-            <a:r>
-              <a:rPr lang="en-US" dirty="0"/>
-              <a:t>Maecenas porttitor congue massa. </a:t>
-            </a:r>
-          </a:p>
-          <a:p>
-            <a:r>
-              <a:rPr lang="en-US" dirty="0"/>
-              <a:t>Fusce posuere, magna sed pulvinar ultricies, purus lectus malesuada libero, sit amet commodo magna eros quis urna.</a:t>
-            </a:r>
-          </a:p>
-          <a:p>
-            <a:endParaRPr lang="ja-JP" altLang="en-US" dirty="0"/>
-          </a:p>
-        </p:txBody>
-      </p:sp>
-      <p:pic>
-        <p:nvPicPr>
-          <p:cNvPr id="5" name="Picture Placeholder 4" descr="man in front of crowd">
-            <a:extLst>
-              <a:ext uri="{FF2B5EF4-FFF2-40B4-BE49-F238E27FC236}">
-                <a16:creationId xmlns:a16="http://schemas.microsoft.com/office/drawing/2014/main" id="{EB446F87-E920-4084-8574-3F3BA2741E6E}"/>
-              </a:ext>
-            </a:extLst>
-          </p:cNvPr>
-          <p:cNvPicPr>
-            <a:picLocks noGrp="1" noChangeAspect="1"/>
-          </p:cNvPicPr>
-          <p:nvPr>
-            <p:ph type="pic" sz="quarter" idx="14"/>
-          </p:nvPr>
-        </p:nvPicPr>
-        <p:blipFill>
-          <a:blip r:embed="rId3">
-            <a:extLst>
-              <a:ext uri="{28A0092B-C50C-407E-A947-70E740481C1C}">
-                <a14:useLocalDpi xmlns:a14="http://schemas.microsoft.com/office/drawing/2010/main"/>
-              </a:ext>
-            </a:extLst>
-          </a:blip>
-          <a:srcRect/>
-          <a:stretch>
-            <a:fillRect/>
-          </a:stretch>
-        </p:blipFill>
-        <p:spPr/>
-      </p:pic>
+            <a:endParaRPr lang="en-IE"/>
+          </a:p>
+        </p:txBody>
+      </p:sp>
     </p:spTree>
     <p:extLst>
       <p:ext uri="{BB962C8B-B14F-4D97-AF65-F5344CB8AC3E}">
-        <p14:creationId xmlns:p14="http://schemas.microsoft.com/office/powerpoint/2010/main" val="2888113506"/>
+        <p14:creationId xmlns:p14="http://schemas.microsoft.com/office/powerpoint/2010/main" val="2340764024"/>
       </p:ext>
     </p:extLst>
   </p:cSld>
@@ -4827,10 +6046,10 @@
       </p:grpSpPr>
       <p:sp>
         <p:nvSpPr>
-          <p:cNvPr id="3" name="Title 2">
-            <a:extLst>
-              <a:ext uri="{FF2B5EF4-FFF2-40B4-BE49-F238E27FC236}">
-                <a16:creationId xmlns:a16="http://schemas.microsoft.com/office/drawing/2014/main" id="{99F42768-7A00-44B6-B91D-8876B8A46EDC}"/>
+          <p:cNvPr id="2" name="Title 1">
+            <a:extLst>
+              <a:ext uri="{FF2B5EF4-FFF2-40B4-BE49-F238E27FC236}">
+                <a16:creationId xmlns:a16="http://schemas.microsoft.com/office/drawing/2014/main" id="{5A9453E5-8A87-BE57-9F74-3608E819E328}"/>
               </a:ext>
             </a:extLst>
           </p:cNvPr>
@@ -4847,18 +6066,36 @@
           <a:lstStyle/>
           <a:p>
             <a:r>
-              <a:rPr lang="en-US" dirty="0"/>
-              <a:t>Title Slide 4</a:t>
+              <a:rPr lang="en-IE" dirty="0"/>
+              <a:t>Azure Cognitive Services</a:t>
             </a:r>
           </a:p>
         </p:txBody>
       </p:sp>
       <p:sp>
         <p:nvSpPr>
+          <p:cNvPr id="3" name="Picture Placeholder 2">
+            <a:extLst>
+              <a:ext uri="{FF2B5EF4-FFF2-40B4-BE49-F238E27FC236}">
+                <a16:creationId xmlns:a16="http://schemas.microsoft.com/office/drawing/2014/main" id="{CE8758AC-4B8D-1583-3909-B36802B7A4BA}"/>
+              </a:ext>
+            </a:extLst>
+          </p:cNvPr>
+          <p:cNvSpPr>
+            <a:spLocks noGrp="1"/>
+          </p:cNvSpPr>
+          <p:nvPr>
+            <p:ph type="pic" sz="quarter" idx="14"/>
+          </p:nvPr>
+        </p:nvSpPr>
+        <p:spPr/>
+      </p:sp>
+      <p:sp>
+        <p:nvSpPr>
           <p:cNvPr id="4" name="Content Placeholder 3">
             <a:extLst>
               <a:ext uri="{FF2B5EF4-FFF2-40B4-BE49-F238E27FC236}">
-                <a16:creationId xmlns:a16="http://schemas.microsoft.com/office/drawing/2014/main" id="{64BEB3A5-2FC8-4AD8-8BB4-F7837CBF0E16}"/>
+                <a16:creationId xmlns:a16="http://schemas.microsoft.com/office/drawing/2014/main" id="{C4A09AEE-5A44-B0E4-C242-F1FD776C8D15}"/>
               </a:ext>
             </a:extLst>
           </p:cNvPr>
@@ -4874,54 +6111,14 @@
           <a:bodyPr/>
           <a:lstStyle/>
           <a:p>
-            <a:r>
-              <a:rPr lang="en-US" dirty="0"/>
-              <a:t>Lorem ipsum dolor sit amet, consectetuer adipiscing elit.</a:t>
-            </a:r>
-          </a:p>
-          <a:p>
-            <a:r>
-              <a:rPr lang="en-US" dirty="0"/>
-              <a:t>Maecenas porttitor congue massa. </a:t>
-            </a:r>
-          </a:p>
-        </p:txBody>
-      </p:sp>
-      <p:pic>
-        <p:nvPicPr>
-          <p:cNvPr id="7" name="Picture Placeholder 6" descr="large city landscape">
-            <a:extLst>
-              <a:ext uri="{FF2B5EF4-FFF2-40B4-BE49-F238E27FC236}">
-                <a16:creationId xmlns:a16="http://schemas.microsoft.com/office/drawing/2014/main" id="{E04F9018-8C84-43AA-B858-C90C833AD461}"/>
-              </a:ext>
-            </a:extLst>
-          </p:cNvPr>
-          <p:cNvPicPr>
-            <a:picLocks noGrp="1" noChangeAspect="1"/>
-          </p:cNvPicPr>
-          <p:nvPr>
-            <p:ph type="pic" sz="quarter" idx="14"/>
-          </p:nvPr>
-        </p:nvPicPr>
-        <p:blipFill>
-          <a:blip r:embed="rId2">
-            <a:extLst>
-              <a:ext uri="{28A0092B-C50C-407E-A947-70E740481C1C}">
-                <a14:useLocalDpi xmlns:a14="http://schemas.microsoft.com/office/drawing/2010/main"/>
-              </a:ext>
-            </a:extLst>
-          </a:blip>
-          <a:srcRect/>
-          <a:stretch>
-            <a:fillRect/>
-          </a:stretch>
-        </p:blipFill>
-        <p:spPr/>
-      </p:pic>
+            <a:endParaRPr lang="en-IE"/>
+          </a:p>
+        </p:txBody>
+      </p:sp>
     </p:spTree>
     <p:extLst>
       <p:ext uri="{BB962C8B-B14F-4D97-AF65-F5344CB8AC3E}">
-        <p14:creationId xmlns:p14="http://schemas.microsoft.com/office/powerpoint/2010/main" val="1490811680"/>
+        <p14:creationId xmlns:p14="http://schemas.microsoft.com/office/powerpoint/2010/main" val="1951089520"/>
       </p:ext>
     </p:extLst>
   </p:cSld>
@@ -4950,10 +6147,10 @@
       </p:grpSpPr>
       <p:sp>
         <p:nvSpPr>
-          <p:cNvPr id="21" name="Title 20">
-            <a:extLst>
-              <a:ext uri="{FF2B5EF4-FFF2-40B4-BE49-F238E27FC236}">
-                <a16:creationId xmlns:a16="http://schemas.microsoft.com/office/drawing/2014/main" id="{2627AE97-340B-E245-B9C6-A4E8743E1340}"/>
+          <p:cNvPr id="2" name="Title 1">
+            <a:extLst>
+              <a:ext uri="{FF2B5EF4-FFF2-40B4-BE49-F238E27FC236}">
+                <a16:creationId xmlns:a16="http://schemas.microsoft.com/office/drawing/2014/main" id="{5A9453E5-8A87-BE57-9F74-3608E819E328}"/>
               </a:ext>
             </a:extLst>
           </p:cNvPr>
@@ -4970,27 +6167,44 @@
           <a:lstStyle/>
           <a:p>
             <a:r>
-              <a:rPr lang="en-US" dirty="0"/>
-              <a:t>Title Slide 5</a:t>
+              <a:rPr lang="en-IE" dirty="0"/>
+              <a:t>OpenCV</a:t>
             </a:r>
-            <a:endParaRPr lang="en-US" altLang="ja-JP" dirty="0"/>
-          </a:p>
-        </p:txBody>
-      </p:sp>
-      <p:sp>
-        <p:nvSpPr>
-          <p:cNvPr id="15" name="Text Placeholder 14">
-            <a:extLst>
-              <a:ext uri="{FF2B5EF4-FFF2-40B4-BE49-F238E27FC236}">
-                <a16:creationId xmlns:a16="http://schemas.microsoft.com/office/drawing/2014/main" id="{919ADAFC-DC1D-4249-B968-F885B35940C9}"/>
-              </a:ext>
-            </a:extLst>
-          </p:cNvPr>
-          <p:cNvSpPr>
-            <a:spLocks noGrp="1"/>
-          </p:cNvSpPr>
-          <p:nvPr>
-            <p:ph type="body" idx="1"/>
+          </a:p>
+        </p:txBody>
+      </p:sp>
+      <p:sp>
+        <p:nvSpPr>
+          <p:cNvPr id="3" name="Picture Placeholder 2">
+            <a:extLst>
+              <a:ext uri="{FF2B5EF4-FFF2-40B4-BE49-F238E27FC236}">
+                <a16:creationId xmlns:a16="http://schemas.microsoft.com/office/drawing/2014/main" id="{CE8758AC-4B8D-1583-3909-B36802B7A4BA}"/>
+              </a:ext>
+            </a:extLst>
+          </p:cNvPr>
+          <p:cNvSpPr>
+            <a:spLocks noGrp="1"/>
+          </p:cNvSpPr>
+          <p:nvPr>
+            <p:ph type="pic" sz="quarter" idx="14"/>
+          </p:nvPr>
+        </p:nvSpPr>
+        <p:spPr/>
+      </p:sp>
+      <p:sp>
+        <p:nvSpPr>
+          <p:cNvPr id="4" name="Content Placeholder 3">
+            <a:extLst>
+              <a:ext uri="{FF2B5EF4-FFF2-40B4-BE49-F238E27FC236}">
+                <a16:creationId xmlns:a16="http://schemas.microsoft.com/office/drawing/2014/main" id="{C4A09AEE-5A44-B0E4-C242-F1FD776C8D15}"/>
+              </a:ext>
+            </a:extLst>
+          </p:cNvPr>
+          <p:cNvSpPr>
+            <a:spLocks noGrp="1"/>
+          </p:cNvSpPr>
+          <p:nvPr>
+            <p:ph sz="quarter" idx="15"/>
           </p:nvPr>
         </p:nvSpPr>
         <p:spPr/>
@@ -4998,131 +6212,14 @@
           <a:bodyPr/>
           <a:lstStyle/>
           <a:p>
-            <a:r>
-              <a:rPr lang="en-US" dirty="0"/>
-              <a:t>Subtitle A</a:t>
-            </a:r>
-          </a:p>
-        </p:txBody>
-      </p:sp>
-      <p:sp>
-        <p:nvSpPr>
-          <p:cNvPr id="28" name="Text Placeholder 27">
-            <a:extLst>
-              <a:ext uri="{FF2B5EF4-FFF2-40B4-BE49-F238E27FC236}">
-                <a16:creationId xmlns:a16="http://schemas.microsoft.com/office/drawing/2014/main" id="{81ECBBB6-1140-7745-B57A-8FE68E837E23}"/>
-              </a:ext>
-            </a:extLst>
-          </p:cNvPr>
-          <p:cNvSpPr>
-            <a:spLocks noGrp="1"/>
-          </p:cNvSpPr>
-          <p:nvPr>
-            <p:ph type="body" idx="14"/>
-          </p:nvPr>
-        </p:nvSpPr>
-        <p:spPr/>
-        <p:txBody>
-          <a:bodyPr/>
-          <a:lstStyle/>
-          <a:p>
-            <a:r>
-              <a:rPr lang="en-US" dirty="0"/>
-              <a:t>Subtitle B</a:t>
-            </a:r>
-          </a:p>
-        </p:txBody>
-      </p:sp>
-      <p:sp>
-        <p:nvSpPr>
-          <p:cNvPr id="16" name="Content Placeholder 15">
-            <a:extLst>
-              <a:ext uri="{FF2B5EF4-FFF2-40B4-BE49-F238E27FC236}">
-                <a16:creationId xmlns:a16="http://schemas.microsoft.com/office/drawing/2014/main" id="{3017211D-9C44-B641-A078-4EA6FEE3BBF9}"/>
-              </a:ext>
-            </a:extLst>
-          </p:cNvPr>
-          <p:cNvSpPr>
-            <a:spLocks noGrp="1"/>
-          </p:cNvSpPr>
-          <p:nvPr>
-            <p:ph sz="half" idx="15"/>
-          </p:nvPr>
-        </p:nvSpPr>
-        <p:spPr/>
-        <p:txBody>
-          <a:bodyPr/>
-          <a:lstStyle/>
-          <a:p>
-            <a:r>
-              <a:rPr lang="en-US" dirty="0"/>
-              <a:t>Lorem ipsum dolor sit amet, consectetuer adipiscing elit. </a:t>
-            </a:r>
-          </a:p>
-          <a:p>
-            <a:r>
-              <a:rPr lang="en-US" dirty="0"/>
-              <a:t>Maecenas porttitor congue massa. </a:t>
-            </a:r>
-          </a:p>
-          <a:p>
-            <a:r>
-              <a:rPr lang="en-US" dirty="0"/>
-              <a:t>Fusce posuere, magna sed pulvinar ultricies, purus lectus malesuada libero, sit amet commodo magna eros quis urna.</a:t>
-            </a:r>
-          </a:p>
-          <a:p>
-            <a:endParaRPr lang="ja-JP" altLang="en-US" dirty="0"/>
-          </a:p>
-        </p:txBody>
-      </p:sp>
-      <p:sp>
-        <p:nvSpPr>
-          <p:cNvPr id="27" name="Content Placeholder 26">
-            <a:extLst>
-              <a:ext uri="{FF2B5EF4-FFF2-40B4-BE49-F238E27FC236}">
-                <a16:creationId xmlns:a16="http://schemas.microsoft.com/office/drawing/2014/main" id="{78F30852-7324-B342-92E6-181AD0A5705C}"/>
-              </a:ext>
-            </a:extLst>
-          </p:cNvPr>
-          <p:cNvSpPr>
-            <a:spLocks noGrp="1"/>
-          </p:cNvSpPr>
-          <p:nvPr>
-            <p:ph sz="half" idx="16"/>
-          </p:nvPr>
-        </p:nvSpPr>
-        <p:spPr/>
-        <p:txBody>
-          <a:bodyPr/>
-          <a:lstStyle/>
-          <a:p>
-            <a:r>
-              <a:rPr lang="en-US" dirty="0"/>
-              <a:t>Lorem ipsum dolor sit amet, consectetuer adipiscing elit. </a:t>
-            </a:r>
-          </a:p>
-          <a:p>
-            <a:r>
-              <a:rPr lang="en-US" dirty="0"/>
-              <a:t>Maecenas porttitor congue massa. </a:t>
-            </a:r>
-          </a:p>
-          <a:p>
-            <a:r>
-              <a:rPr lang="en-US" dirty="0"/>
-              <a:t>Fusce posuere, magna sed pulvinar ultricies, purus lectus malesuada libero, sit amet commodo magna eros quis urna.</a:t>
-            </a:r>
-          </a:p>
-          <a:p>
-            <a:endParaRPr lang="ja-JP" altLang="en-US" dirty="0"/>
+            <a:endParaRPr lang="en-IE"/>
           </a:p>
         </p:txBody>
       </p:sp>
     </p:spTree>
     <p:extLst>
       <p:ext uri="{BB962C8B-B14F-4D97-AF65-F5344CB8AC3E}">
-        <p14:creationId xmlns:p14="http://schemas.microsoft.com/office/powerpoint/2010/main" val="2799639823"/>
+        <p14:creationId xmlns:p14="http://schemas.microsoft.com/office/powerpoint/2010/main" val="1632569385"/>
       </p:ext>
     </p:extLst>
   </p:cSld>
@@ -5151,10 +6248,10 @@
       </p:grpSpPr>
       <p:sp>
         <p:nvSpPr>
-          <p:cNvPr id="11" name="Title 10">
-            <a:extLst>
-              <a:ext uri="{FF2B5EF4-FFF2-40B4-BE49-F238E27FC236}">
-                <a16:creationId xmlns:a16="http://schemas.microsoft.com/office/drawing/2014/main" id="{010FB232-4CB4-C34D-A688-C51B6E7CD2CF}"/>
+          <p:cNvPr id="2" name="Title 1">
+            <a:extLst>
+              <a:ext uri="{FF2B5EF4-FFF2-40B4-BE49-F238E27FC236}">
+                <a16:creationId xmlns:a16="http://schemas.microsoft.com/office/drawing/2014/main" id="{5A9453E5-8A87-BE57-9F74-3608E819E328}"/>
               </a:ext>
             </a:extLst>
           </p:cNvPr>
@@ -5171,47 +6268,374 @@
           <a:lstStyle/>
           <a:p>
             <a:r>
-              <a:rPr lang="en-US" dirty="0"/>
-              <a:t>Title Slide 6</a:t>
+              <a:rPr lang="en-IE" dirty="0"/>
+              <a:t>Raspberry PI</a:t>
             </a:r>
           </a:p>
         </p:txBody>
       </p:sp>
-      <p:graphicFrame>
-        <p:nvGraphicFramePr>
-          <p:cNvPr id="6" name="Content Placeholder 5" descr="Clustered column chart that shows values for three data series in four categories.">
-            <a:extLst>
-              <a:ext uri="{FF2B5EF4-FFF2-40B4-BE49-F238E27FC236}">
-                <a16:creationId xmlns:a16="http://schemas.microsoft.com/office/drawing/2014/main" id="{CD40C41F-A4A2-A745-B650-65EBCEB1C061}"/>
-              </a:ext>
-            </a:extLst>
-          </p:cNvPr>
-          <p:cNvGraphicFramePr>
-            <a:graphicFrameLocks noGrp="1"/>
-          </p:cNvGraphicFramePr>
-          <p:nvPr>
-            <p:ph idx="4294967295"/>
-            <p:extLst>
-              <p:ext uri="{D42A27DB-BD31-4B8C-83A1-F6EECF244321}">
-                <p14:modId xmlns:p14="http://schemas.microsoft.com/office/powerpoint/2010/main" val="1774722147"/>
-              </p:ext>
-            </p:extLst>
-          </p:nvPr>
-        </p:nvGraphicFramePr>
-        <p:xfrm>
-          <a:off x="639763" y="1900517"/>
-          <a:ext cx="10912475" cy="4276445"/>
-        </p:xfrm>
-        <a:graphic>
-          <a:graphicData uri="http://schemas.openxmlformats.org/drawingml/2006/chart">
-            <c:chart xmlns:c="http://schemas.openxmlformats.org/drawingml/2006/chart" xmlns:r="http://schemas.openxmlformats.org/officeDocument/2006/relationships" r:id="rId2"/>
-          </a:graphicData>
-        </a:graphic>
-      </p:graphicFrame>
+      <p:sp>
+        <p:nvSpPr>
+          <p:cNvPr id="3" name="Picture Placeholder 2">
+            <a:extLst>
+              <a:ext uri="{FF2B5EF4-FFF2-40B4-BE49-F238E27FC236}">
+                <a16:creationId xmlns:a16="http://schemas.microsoft.com/office/drawing/2014/main" id="{CE8758AC-4B8D-1583-3909-B36802B7A4BA}"/>
+              </a:ext>
+            </a:extLst>
+          </p:cNvPr>
+          <p:cNvSpPr>
+            <a:spLocks noGrp="1"/>
+          </p:cNvSpPr>
+          <p:nvPr>
+            <p:ph type="pic" sz="quarter" idx="14"/>
+          </p:nvPr>
+        </p:nvSpPr>
+        <p:spPr/>
+      </p:sp>
+      <p:sp>
+        <p:nvSpPr>
+          <p:cNvPr id="4" name="Content Placeholder 3">
+            <a:extLst>
+              <a:ext uri="{FF2B5EF4-FFF2-40B4-BE49-F238E27FC236}">
+                <a16:creationId xmlns:a16="http://schemas.microsoft.com/office/drawing/2014/main" id="{C4A09AEE-5A44-B0E4-C242-F1FD776C8D15}"/>
+              </a:ext>
+            </a:extLst>
+          </p:cNvPr>
+          <p:cNvSpPr>
+            <a:spLocks noGrp="1"/>
+          </p:cNvSpPr>
+          <p:nvPr>
+            <p:ph sz="quarter" idx="15"/>
+          </p:nvPr>
+        </p:nvSpPr>
+        <p:spPr/>
+        <p:txBody>
+          <a:bodyPr/>
+          <a:lstStyle/>
+          <a:p>
+            <a:endParaRPr lang="en-IE"/>
+          </a:p>
+        </p:txBody>
+      </p:sp>
     </p:spTree>
     <p:extLst>
       <p:ext uri="{BB962C8B-B14F-4D97-AF65-F5344CB8AC3E}">
-        <p14:creationId xmlns:p14="http://schemas.microsoft.com/office/powerpoint/2010/main" val="290282695"/>
+        <p14:creationId xmlns:p14="http://schemas.microsoft.com/office/powerpoint/2010/main" val="332507919"/>
+      </p:ext>
+    </p:extLst>
+  </p:cSld>
+  <p:clrMapOvr>
+    <a:masterClrMapping/>
+  </p:clrMapOvr>
+</p:sld>
+</file>
+
+<file path=ppt/slides/slide7.xml><?xml version="1.0" encoding="utf-8"?>
+<p:sld xmlns:a="http://schemas.openxmlformats.org/drawingml/2006/main" xmlns:r="http://schemas.openxmlformats.org/officeDocument/2006/relationships" xmlns:p="http://schemas.openxmlformats.org/presentationml/2006/main">
+  <p:cSld>
+    <p:spTree>
+      <p:nvGrpSpPr>
+        <p:cNvPr id="1" name=""/>
+        <p:cNvGrpSpPr/>
+        <p:nvPr/>
+      </p:nvGrpSpPr>
+      <p:grpSpPr>
+        <a:xfrm>
+          <a:off x="0" y="0"/>
+          <a:ext cx="0" cy="0"/>
+          <a:chOff x="0" y="0"/>
+          <a:chExt cx="0" cy="0"/>
+        </a:xfrm>
+      </p:grpSpPr>
+      <p:sp>
+        <p:nvSpPr>
+          <p:cNvPr id="2" name="Title 1">
+            <a:extLst>
+              <a:ext uri="{FF2B5EF4-FFF2-40B4-BE49-F238E27FC236}">
+                <a16:creationId xmlns:a16="http://schemas.microsoft.com/office/drawing/2014/main" id="{3FE5064C-0C77-40EF-B78A-227F2C923485}"/>
+              </a:ext>
+            </a:extLst>
+          </p:cNvPr>
+          <p:cNvSpPr>
+            <a:spLocks noGrp="1"/>
+          </p:cNvSpPr>
+          <p:nvPr>
+            <p:ph type="title"/>
+          </p:nvPr>
+        </p:nvSpPr>
+        <p:spPr/>
+        <p:txBody>
+          <a:bodyPr/>
+          <a:lstStyle/>
+          <a:p>
+            <a:r>
+              <a:rPr lang="en-US" dirty="0"/>
+              <a:t>Title Slide 2</a:t>
+            </a:r>
+          </a:p>
+        </p:txBody>
+      </p:sp>
+      <p:sp>
+        <p:nvSpPr>
+          <p:cNvPr id="3" name="Content Placeholder 2">
+            <a:extLst>
+              <a:ext uri="{FF2B5EF4-FFF2-40B4-BE49-F238E27FC236}">
+                <a16:creationId xmlns:a16="http://schemas.microsoft.com/office/drawing/2014/main" id="{41FFDDD6-E8E3-4FD4-A371-90094C459EEF}"/>
+              </a:ext>
+            </a:extLst>
+          </p:cNvPr>
+          <p:cNvSpPr>
+            <a:spLocks noGrp="1"/>
+          </p:cNvSpPr>
+          <p:nvPr>
+            <p:ph sz="quarter" idx="13"/>
+          </p:nvPr>
+        </p:nvSpPr>
+        <p:spPr/>
+        <p:txBody>
+          <a:bodyPr/>
+          <a:lstStyle/>
+          <a:p>
+            <a:r>
+              <a:rPr lang="en-US" dirty="0"/>
+              <a:t>Lorem ipsum dolor sit amet, consectetuer adipiscing elit. Maecenas porttitor congue massa. Fusce posuere, magna sed pulvinar ultricies, purus lectus malesuada libero, sit amet commodo magna eros quis urna.</a:t>
+            </a:r>
+          </a:p>
+          <a:p>
+            <a:r>
+              <a:rPr lang="en-US" dirty="0"/>
+              <a:t>Nunc viverra imperdiet enim. Fusce est. Vivamus a tellus.</a:t>
+            </a:r>
+          </a:p>
+          <a:p>
+            <a:r>
+              <a:rPr lang="en-US" dirty="0"/>
+              <a:t>Pellentesque habitant morbi tristique senectus et netus et malesuada fames ac turpis egestas. Proin pharetra nonummy pede. Mauris et orci.</a:t>
+            </a:r>
+          </a:p>
+          <a:p>
+            <a:r>
+              <a:rPr lang="en-US" dirty="0"/>
+              <a:t>Lorem ipsum dolor sit amet, consectetuer adipiscing elit. </a:t>
+            </a:r>
+          </a:p>
+          <a:p>
+            <a:r>
+              <a:rPr lang="en-US" dirty="0"/>
+              <a:t>Maecenas porttitor congue massa. Fusce posuere, magna sed pulvinar ultricies, purus lectus malesuada libero, sit amet commodo magna eros quis urna.</a:t>
+            </a:r>
+          </a:p>
+          <a:p>
+            <a:endParaRPr lang="en-US" dirty="0"/>
+          </a:p>
+        </p:txBody>
+      </p:sp>
+    </p:spTree>
+    <p:extLst>
+      <p:ext uri="{BB962C8B-B14F-4D97-AF65-F5344CB8AC3E}">
+        <p14:creationId xmlns:p14="http://schemas.microsoft.com/office/powerpoint/2010/main" val="2028633341"/>
+      </p:ext>
+    </p:extLst>
+  </p:cSld>
+  <p:clrMapOvr>
+    <a:masterClrMapping/>
+  </p:clrMapOvr>
+</p:sld>
+</file>
+
+<file path=ppt/slides/slide8.xml><?xml version="1.0" encoding="utf-8"?>
+<p:sld xmlns:a="http://schemas.openxmlformats.org/drawingml/2006/main" xmlns:r="http://schemas.openxmlformats.org/officeDocument/2006/relationships" xmlns:p="http://schemas.openxmlformats.org/presentationml/2006/main">
+  <p:cSld>
+    <p:spTree>
+      <p:nvGrpSpPr>
+        <p:cNvPr id="1" name=""/>
+        <p:cNvGrpSpPr/>
+        <p:nvPr/>
+      </p:nvGrpSpPr>
+      <p:grpSpPr>
+        <a:xfrm>
+          <a:off x="0" y="0"/>
+          <a:ext cx="0" cy="0"/>
+          <a:chOff x="0" y="0"/>
+          <a:chExt cx="0" cy="0"/>
+        </a:xfrm>
+      </p:grpSpPr>
+      <p:sp>
+        <p:nvSpPr>
+          <p:cNvPr id="2" name="Title 1">
+            <a:extLst>
+              <a:ext uri="{FF2B5EF4-FFF2-40B4-BE49-F238E27FC236}">
+                <a16:creationId xmlns:a16="http://schemas.microsoft.com/office/drawing/2014/main" id="{5A9453E5-8A87-BE57-9F74-3608E819E328}"/>
+              </a:ext>
+            </a:extLst>
+          </p:cNvPr>
+          <p:cNvSpPr>
+            <a:spLocks noGrp="1"/>
+          </p:cNvSpPr>
+          <p:nvPr>
+            <p:ph type="title"/>
+          </p:nvPr>
+        </p:nvSpPr>
+        <p:spPr/>
+        <p:txBody>
+          <a:bodyPr/>
+          <a:lstStyle/>
+          <a:p>
+            <a:r>
+              <a:rPr lang="en-IE" dirty="0"/>
+              <a:t>Current Situation</a:t>
+            </a:r>
+          </a:p>
+        </p:txBody>
+      </p:sp>
+      <p:sp>
+        <p:nvSpPr>
+          <p:cNvPr id="3" name="Picture Placeholder 2">
+            <a:extLst>
+              <a:ext uri="{FF2B5EF4-FFF2-40B4-BE49-F238E27FC236}">
+                <a16:creationId xmlns:a16="http://schemas.microsoft.com/office/drawing/2014/main" id="{CE8758AC-4B8D-1583-3909-B36802B7A4BA}"/>
+              </a:ext>
+            </a:extLst>
+          </p:cNvPr>
+          <p:cNvSpPr>
+            <a:spLocks noGrp="1"/>
+          </p:cNvSpPr>
+          <p:nvPr>
+            <p:ph type="pic" sz="quarter" idx="14"/>
+          </p:nvPr>
+        </p:nvSpPr>
+        <p:spPr/>
+      </p:sp>
+      <p:sp>
+        <p:nvSpPr>
+          <p:cNvPr id="4" name="Content Placeholder 3">
+            <a:extLst>
+              <a:ext uri="{FF2B5EF4-FFF2-40B4-BE49-F238E27FC236}">
+                <a16:creationId xmlns:a16="http://schemas.microsoft.com/office/drawing/2014/main" id="{C4A09AEE-5A44-B0E4-C242-F1FD776C8D15}"/>
+              </a:ext>
+            </a:extLst>
+          </p:cNvPr>
+          <p:cNvSpPr>
+            <a:spLocks noGrp="1"/>
+          </p:cNvSpPr>
+          <p:nvPr>
+            <p:ph sz="quarter" idx="15"/>
+          </p:nvPr>
+        </p:nvSpPr>
+        <p:spPr/>
+        <p:txBody>
+          <a:bodyPr/>
+          <a:lstStyle/>
+          <a:p>
+            <a:endParaRPr lang="en-IE"/>
+          </a:p>
+        </p:txBody>
+      </p:sp>
+    </p:spTree>
+    <p:extLst>
+      <p:ext uri="{BB962C8B-B14F-4D97-AF65-F5344CB8AC3E}">
+        <p14:creationId xmlns:p14="http://schemas.microsoft.com/office/powerpoint/2010/main" val="2125880992"/>
+      </p:ext>
+    </p:extLst>
+  </p:cSld>
+  <p:clrMapOvr>
+    <a:masterClrMapping/>
+  </p:clrMapOvr>
+</p:sld>
+</file>
+
+<file path=ppt/slides/slide9.xml><?xml version="1.0" encoding="utf-8"?>
+<p:sld xmlns:a="http://schemas.openxmlformats.org/drawingml/2006/main" xmlns:r="http://schemas.openxmlformats.org/officeDocument/2006/relationships" xmlns:p="http://schemas.openxmlformats.org/presentationml/2006/main">
+  <p:cSld>
+    <p:spTree>
+      <p:nvGrpSpPr>
+        <p:cNvPr id="1" name=""/>
+        <p:cNvGrpSpPr/>
+        <p:nvPr/>
+      </p:nvGrpSpPr>
+      <p:grpSpPr>
+        <a:xfrm>
+          <a:off x="0" y="0"/>
+          <a:ext cx="0" cy="0"/>
+          <a:chOff x="0" y="0"/>
+          <a:chExt cx="0" cy="0"/>
+        </a:xfrm>
+      </p:grpSpPr>
+      <p:sp>
+        <p:nvSpPr>
+          <p:cNvPr id="2" name="Title 1">
+            <a:extLst>
+              <a:ext uri="{FF2B5EF4-FFF2-40B4-BE49-F238E27FC236}">
+                <a16:creationId xmlns:a16="http://schemas.microsoft.com/office/drawing/2014/main" id="{5A9453E5-8A87-BE57-9F74-3608E819E328}"/>
+              </a:ext>
+            </a:extLst>
+          </p:cNvPr>
+          <p:cNvSpPr>
+            <a:spLocks noGrp="1"/>
+          </p:cNvSpPr>
+          <p:nvPr>
+            <p:ph type="title"/>
+          </p:nvPr>
+        </p:nvSpPr>
+        <p:spPr/>
+        <p:txBody>
+          <a:bodyPr/>
+          <a:lstStyle/>
+          <a:p>
+            <a:r>
+              <a:rPr lang="en-IE" dirty="0"/>
+              <a:t>Work Done</a:t>
+            </a:r>
+          </a:p>
+        </p:txBody>
+      </p:sp>
+      <p:sp>
+        <p:nvSpPr>
+          <p:cNvPr id="3" name="Picture Placeholder 2">
+            <a:extLst>
+              <a:ext uri="{FF2B5EF4-FFF2-40B4-BE49-F238E27FC236}">
+                <a16:creationId xmlns:a16="http://schemas.microsoft.com/office/drawing/2014/main" id="{CE8758AC-4B8D-1583-3909-B36802B7A4BA}"/>
+              </a:ext>
+            </a:extLst>
+          </p:cNvPr>
+          <p:cNvSpPr>
+            <a:spLocks noGrp="1"/>
+          </p:cNvSpPr>
+          <p:nvPr>
+            <p:ph type="pic" sz="quarter" idx="14"/>
+          </p:nvPr>
+        </p:nvSpPr>
+        <p:spPr/>
+      </p:sp>
+      <p:sp>
+        <p:nvSpPr>
+          <p:cNvPr id="4" name="Content Placeholder 3">
+            <a:extLst>
+              <a:ext uri="{FF2B5EF4-FFF2-40B4-BE49-F238E27FC236}">
+                <a16:creationId xmlns:a16="http://schemas.microsoft.com/office/drawing/2014/main" id="{C4A09AEE-5A44-B0E4-C242-F1FD776C8D15}"/>
+              </a:ext>
+            </a:extLst>
+          </p:cNvPr>
+          <p:cNvSpPr>
+            <a:spLocks noGrp="1"/>
+          </p:cNvSpPr>
+          <p:nvPr>
+            <p:ph sz="quarter" idx="15"/>
+          </p:nvPr>
+        </p:nvSpPr>
+        <p:spPr/>
+        <p:txBody>
+          <a:bodyPr/>
+          <a:lstStyle/>
+          <a:p>
+            <a:endParaRPr lang="en-IE"/>
+          </a:p>
+        </p:txBody>
+      </p:sp>
+    </p:spTree>
+    <p:extLst>
+      <p:ext uri="{BB962C8B-B14F-4D97-AF65-F5344CB8AC3E}">
+        <p14:creationId xmlns:p14="http://schemas.microsoft.com/office/powerpoint/2010/main" val="3690973007"/>
       </p:ext>
     </p:extLst>
   </p:cSld>

--- a/Docs/Presentation/Presentation.pptx
+++ b/Docs/Presentation/Presentation.pptx
@@ -5,27 +5,28 @@
     <p:sldMasterId id="2147483648" r:id="rId1"/>
   </p:sldMasterIdLst>
   <p:notesMasterIdLst>
-    <p:notesMasterId r:id="rId17"/>
+    <p:notesMasterId r:id="rId18"/>
   </p:notesMasterIdLst>
   <p:handoutMasterIdLst>
-    <p:handoutMasterId r:id="rId18"/>
+    <p:handoutMasterId r:id="rId19"/>
   </p:handoutMasterIdLst>
   <p:sldIdLst>
     <p:sldId id="302" r:id="rId2"/>
     <p:sldId id="304" r:id="rId3"/>
     <p:sldId id="310" r:id="rId4"/>
-    <p:sldId id="317" r:id="rId5"/>
-    <p:sldId id="312" r:id="rId6"/>
-    <p:sldId id="316" r:id="rId7"/>
-    <p:sldId id="313" r:id="rId8"/>
-    <p:sldId id="322" r:id="rId9"/>
-    <p:sldId id="318" r:id="rId10"/>
-    <p:sldId id="319" r:id="rId11"/>
-    <p:sldId id="307" r:id="rId12"/>
-    <p:sldId id="306" r:id="rId13"/>
-    <p:sldId id="320" r:id="rId14"/>
-    <p:sldId id="314" r:id="rId15"/>
-    <p:sldId id="321" r:id="rId16"/>
+    <p:sldId id="323" r:id="rId5"/>
+    <p:sldId id="317" r:id="rId6"/>
+    <p:sldId id="312" r:id="rId7"/>
+    <p:sldId id="316" r:id="rId8"/>
+    <p:sldId id="313" r:id="rId9"/>
+    <p:sldId id="322" r:id="rId10"/>
+    <p:sldId id="318" r:id="rId11"/>
+    <p:sldId id="319" r:id="rId12"/>
+    <p:sldId id="307" r:id="rId13"/>
+    <p:sldId id="306" r:id="rId14"/>
+    <p:sldId id="320" r:id="rId15"/>
+    <p:sldId id="314" r:id="rId16"/>
+    <p:sldId id="321" r:id="rId17"/>
   </p:sldIdLst>
   <p:sldSz cx="12192000" cy="6858000"/>
   <p:notesSz cx="6858000" cy="9144000"/>
@@ -138,7 +139,7 @@
 <file path=ppt/revisionInfo.xml><?xml version="1.0" encoding="utf-8"?>
 <p1510:revInfo xmlns:a="http://schemas.openxmlformats.org/drawingml/2006/main" xmlns:r="http://schemas.openxmlformats.org/officeDocument/2006/relationships" xmlns:p1510="http://schemas.microsoft.com/office/powerpoint/2015/10/main">
   <p1510:revLst>
-    <p1510:client id="{814D3F43-6A19-4FB6-85FE-6A1A0637D898}" v="59" dt="2023-03-08T10:39:07.172"/>
+    <p1510:client id="{814D3F43-6A19-4FB6-85FE-6A1A0637D898}" v="60" dt="2023-03-08T12:42:15.995"/>
   </p1510:revLst>
 </p1510:revInfo>
 </file>
@@ -148,7 +149,7 @@
   <pc:docChgLst>
     <pc:chgData name="Conor Weldon" userId="cec216f5cb4ba868" providerId="LiveId" clId="{814D3F43-6A19-4FB6-85FE-6A1A0637D898}"/>
     <pc:docChg chg="undo custSel addSld delSld modSld sldOrd">
-      <pc:chgData name="Conor Weldon" userId="cec216f5cb4ba868" providerId="LiveId" clId="{814D3F43-6A19-4FB6-85FE-6A1A0637D898}" dt="2023-03-08T10:45:46.136" v="2516" actId="47"/>
+      <pc:chgData name="Conor Weldon" userId="cec216f5cb4ba868" providerId="LiveId" clId="{814D3F43-6A19-4FB6-85FE-6A1A0637D898}" dt="2023-03-08T12:45:30.643" v="2552" actId="20577"/>
       <pc:docMkLst>
         <pc:docMk/>
       </pc:docMkLst>
@@ -964,6 +965,21 @@
             <pc:docMk/>
             <pc:sldMk cId="217956314" sldId="322"/>
             <ac:spMk id="3" creationId="{F6C887B7-8F6C-85C6-CFE2-084646D7C858}"/>
+          </ac:spMkLst>
+        </pc:spChg>
+      </pc:sldChg>
+      <pc:sldChg chg="modSp add mod">
+        <pc:chgData name="Conor Weldon" userId="cec216f5cb4ba868" providerId="LiveId" clId="{814D3F43-6A19-4FB6-85FE-6A1A0637D898}" dt="2023-03-08T12:45:30.643" v="2552" actId="20577"/>
+        <pc:sldMkLst>
+          <pc:docMk/>
+          <pc:sldMk cId="2173145588" sldId="323"/>
+        </pc:sldMkLst>
+        <pc:spChg chg="mod">
+          <ac:chgData name="Conor Weldon" userId="cec216f5cb4ba868" providerId="LiveId" clId="{814D3F43-6A19-4FB6-85FE-6A1A0637D898}" dt="2023-03-08T12:45:30.643" v="2552" actId="20577"/>
+          <ac:spMkLst>
+            <pc:docMk/>
+            <pc:sldMk cId="2173145588" sldId="323"/>
+            <ac:spMk id="4" creationId="{C4A09AEE-5A44-B0E4-C242-F1FD776C8D15}"/>
           </ac:spMkLst>
         </pc:spChg>
       </pc:sldChg>
@@ -10273,7 +10289,7 @@
           <a:p>
             <a:fld id="{DB303FA8-A3F3-7640-B13D-36C73B3E5587}" type="slidenum">
               <a:rPr lang="en-US" smtClean="0"/>
-              <a:t>4</a:t>
+              <a:t>5</a:t>
             </a:fld>
             <a:endParaRPr lang="en-US" dirty="0"/>
           </a:p>
@@ -10416,7 +10432,7 @@
           <a:p>
             <a:fld id="{DB303FA8-A3F3-7640-B13D-36C73B3E5587}" type="slidenum">
               <a:rPr lang="en-US" smtClean="0"/>
-              <a:t>5</a:t>
+              <a:t>6</a:t>
             </a:fld>
             <a:endParaRPr lang="en-US" dirty="0"/>
           </a:p>
@@ -10559,7 +10575,7 @@
           <a:p>
             <a:fld id="{DB303FA8-A3F3-7640-B13D-36C73B3E5587}" type="slidenum">
               <a:rPr lang="en-US" smtClean="0"/>
-              <a:t>7</a:t>
+              <a:t>8</a:t>
             </a:fld>
             <a:endParaRPr lang="en-US" dirty="0"/>
           </a:p>
@@ -10643,7 +10659,7 @@
           <a:p>
             <a:fld id="{DB303FA8-A3F3-7640-B13D-36C73B3E5587}" type="slidenum">
               <a:rPr lang="en-US" smtClean="0"/>
-              <a:t>10</a:t>
+              <a:t>11</a:t>
             </a:fld>
             <a:endParaRPr lang="en-US" dirty="0"/>
           </a:p>
@@ -13417,6 +13433,228 @@
       </p:grpSpPr>
       <p:sp>
         <p:nvSpPr>
+          <p:cNvPr id="2" name="TextBox 1">
+            <a:extLst>
+              <a:ext uri="{FF2B5EF4-FFF2-40B4-BE49-F238E27FC236}">
+                <a16:creationId xmlns:a16="http://schemas.microsoft.com/office/drawing/2014/main" id="{C2E6F7CB-C0DA-5740-51BE-AF9987AEAB81}"/>
+              </a:ext>
+            </a:extLst>
+          </p:cNvPr>
+          <p:cNvSpPr txBox="1"/>
+          <p:nvPr/>
+        </p:nvSpPr>
+        <p:spPr>
+          <a:xfrm>
+            <a:off x="1108430" y="3277472"/>
+            <a:ext cx="5651293" cy="1086304"/>
+          </a:xfrm>
+          <a:prstGeom prst="rect">
+            <a:avLst/>
+          </a:prstGeom>
+        </p:spPr>
+        <p:txBody>
+          <a:bodyPr vert="horz" lIns="91440" tIns="45720" rIns="91440" bIns="45720" rtlCol="0" anchor="ctr">
+            <a:normAutofit/>
+          </a:bodyPr>
+          <a:lstStyle/>
+          <a:p>
+            <a:pPr>
+              <a:lnSpc>
+                <a:spcPct val="90000"/>
+              </a:lnSpc>
+              <a:spcBef>
+                <a:spcPct val="0"/>
+              </a:spcBef>
+              <a:spcAft>
+                <a:spcPts val="600"/>
+              </a:spcAft>
+            </a:pPr>
+            <a:r>
+              <a:rPr lang="en-US" sz="4200" b="1" i="0" kern="1200" spc="150" baseline="0" dirty="0">
+                <a:solidFill>
+                  <a:schemeClr val="accent3">
+                    <a:lumMod val="90000"/>
+                  </a:schemeClr>
+                </a:solidFill>
+                <a:latin typeface="+mj-lt"/>
+                <a:ea typeface="Meiryo UI" panose="020B0604030504040204" pitchFamily="34" charset="-128"/>
+                <a:cs typeface="+mj-cs"/>
+              </a:rPr>
+              <a:t>How It’s Going</a:t>
+            </a:r>
+          </a:p>
+        </p:txBody>
+      </p:sp>
+      <p:pic>
+        <p:nvPicPr>
+          <p:cNvPr id="4" name="Picture 3" descr="Strong angle view of the waves to the shore">
+            <a:extLst>
+              <a:ext uri="{FF2B5EF4-FFF2-40B4-BE49-F238E27FC236}">
+                <a16:creationId xmlns:a16="http://schemas.microsoft.com/office/drawing/2014/main" id="{4F685B0D-94D1-A257-3DEE-22733B6278D7}"/>
+              </a:ext>
+            </a:extLst>
+          </p:cNvPr>
+          <p:cNvPicPr>
+            <a:picLocks noChangeAspect="1"/>
+          </p:cNvPicPr>
+          <p:nvPr/>
+        </p:nvPicPr>
+        <p:blipFill rotWithShape="1">
+          <a:blip r:embed="rId2"/>
+          <a:srcRect l="27737" r="11246" b="-1"/>
+          <a:stretch/>
+        </p:blipFill>
+        <p:spPr>
+          <a:xfrm>
+            <a:off x="5923125" y="10"/>
+            <a:ext cx="6268875" cy="6857990"/>
+          </a:xfrm>
+          <a:custGeom>
+            <a:avLst/>
+            <a:gdLst>
+              <a:gd name="connsiteX0" fmla="*/ 0 w 6268875"/>
+              <a:gd name="connsiteY0" fmla="*/ 0 h 6858000"/>
+              <a:gd name="connsiteX1" fmla="*/ 6268875 w 6268875"/>
+              <a:gd name="connsiteY1" fmla="*/ 0 h 6858000"/>
+              <a:gd name="connsiteX2" fmla="*/ 6268875 w 6268875"/>
+              <a:gd name="connsiteY2" fmla="*/ 6858000 h 6858000"/>
+              <a:gd name="connsiteX3" fmla="*/ 0 w 6268875"/>
+              <a:gd name="connsiteY3" fmla="*/ 6858000 h 6858000"/>
+              <a:gd name="connsiteX4" fmla="*/ 0 w 6268875"/>
+              <a:gd name="connsiteY4" fmla="*/ 5389964 h 6858000"/>
+              <a:gd name="connsiteX5" fmla="*/ 1047301 w 6268875"/>
+              <a:gd name="connsiteY5" fmla="*/ 5389964 h 6858000"/>
+              <a:gd name="connsiteX6" fmla="*/ 1047301 w 6268875"/>
+              <a:gd name="connsiteY6" fmla="*/ 2814404 h 6858000"/>
+              <a:gd name="connsiteX7" fmla="*/ 0 w 6268875"/>
+              <a:gd name="connsiteY7" fmla="*/ 2814404 h 6858000"/>
+            </a:gdLst>
+            <a:ahLst/>
+            <a:cxnLst>
+              <a:cxn ang="0">
+                <a:pos x="connsiteX0" y="connsiteY0"/>
+              </a:cxn>
+              <a:cxn ang="0">
+                <a:pos x="connsiteX1" y="connsiteY1"/>
+              </a:cxn>
+              <a:cxn ang="0">
+                <a:pos x="connsiteX2" y="connsiteY2"/>
+              </a:cxn>
+              <a:cxn ang="0">
+                <a:pos x="connsiteX3" y="connsiteY3"/>
+              </a:cxn>
+              <a:cxn ang="0">
+                <a:pos x="connsiteX4" y="connsiteY4"/>
+              </a:cxn>
+              <a:cxn ang="0">
+                <a:pos x="connsiteX5" y="connsiteY5"/>
+              </a:cxn>
+              <a:cxn ang="0">
+                <a:pos x="connsiteX6" y="connsiteY6"/>
+              </a:cxn>
+              <a:cxn ang="0">
+                <a:pos x="connsiteX7" y="connsiteY7"/>
+              </a:cxn>
+            </a:cxnLst>
+            <a:rect l="l" t="t" r="r" b="b"/>
+            <a:pathLst>
+              <a:path w="6268875" h="6858000">
+                <a:moveTo>
+                  <a:pt x="0" y="0"/>
+                </a:moveTo>
+                <a:lnTo>
+                  <a:pt x="6268875" y="0"/>
+                </a:lnTo>
+                <a:lnTo>
+                  <a:pt x="6268875" y="6858000"/>
+                </a:lnTo>
+                <a:lnTo>
+                  <a:pt x="0" y="6858000"/>
+                </a:lnTo>
+                <a:lnTo>
+                  <a:pt x="0" y="5389964"/>
+                </a:lnTo>
+                <a:lnTo>
+                  <a:pt x="1047301" y="5389964"/>
+                </a:lnTo>
+                <a:lnTo>
+                  <a:pt x="1047301" y="2814404"/>
+                </a:lnTo>
+                <a:lnTo>
+                  <a:pt x="0" y="2814404"/>
+                </a:lnTo>
+                <a:close/>
+              </a:path>
+            </a:pathLst>
+          </a:custGeom>
+          <a:noFill/>
+        </p:spPr>
+      </p:pic>
+      <p:sp>
+        <p:nvSpPr>
+          <p:cNvPr id="8" name="Text Placeholder 3">
+            <a:extLst>
+              <a:ext uri="{FF2B5EF4-FFF2-40B4-BE49-F238E27FC236}">
+                <a16:creationId xmlns:a16="http://schemas.microsoft.com/office/drawing/2014/main" id="{B49107DB-BC30-8785-3D80-013CF724DA53}"/>
+              </a:ext>
+            </a:extLst>
+          </p:cNvPr>
+          <p:cNvSpPr>
+            <a:spLocks noGrp="1"/>
+          </p:cNvSpPr>
+          <p:nvPr>
+            <p:ph type="body" sz="quarter" idx="15"/>
+          </p:nvPr>
+        </p:nvSpPr>
+        <p:spPr>
+          <a:xfrm>
+            <a:off x="1108430" y="4450080"/>
+            <a:ext cx="5651294" cy="607103"/>
+          </a:xfrm>
+        </p:spPr>
+        <p:txBody>
+          <a:bodyPr/>
+          <a:lstStyle/>
+          <a:p>
+            <a:r>
+              <a:rPr lang="en-US" dirty="0"/>
+              <a:t>(Or not going)</a:t>
+            </a:r>
+          </a:p>
+        </p:txBody>
+      </p:sp>
+    </p:spTree>
+    <p:extLst>
+      <p:ext uri="{BB962C8B-B14F-4D97-AF65-F5344CB8AC3E}">
+        <p14:creationId xmlns:p14="http://schemas.microsoft.com/office/powerpoint/2010/main" val="2314480814"/>
+      </p:ext>
+    </p:extLst>
+  </p:cSld>
+  <p:clrMapOvr>
+    <a:masterClrMapping/>
+  </p:clrMapOvr>
+</p:sld>
+</file>
+
+<file path=ppt/slides/slide11.xml><?xml version="1.0" encoding="utf-8"?>
+<p:sld xmlns:a="http://schemas.openxmlformats.org/drawingml/2006/main" xmlns:r="http://schemas.openxmlformats.org/officeDocument/2006/relationships" xmlns:p="http://schemas.openxmlformats.org/presentationml/2006/main">
+  <p:cSld>
+    <p:spTree>
+      <p:nvGrpSpPr>
+        <p:cNvPr id="1" name=""/>
+        <p:cNvGrpSpPr/>
+        <p:nvPr/>
+      </p:nvGrpSpPr>
+      <p:grpSpPr>
+        <a:xfrm>
+          <a:off x="0" y="0"/>
+          <a:ext cx="0" cy="0"/>
+          <a:chOff x="0" y="0"/>
+          <a:chExt cx="0" cy="0"/>
+        </a:xfrm>
+      </p:grpSpPr>
+      <p:sp>
+        <p:nvSpPr>
           <p:cNvPr id="2" name="Title 1">
             <a:extLst>
               <a:ext uri="{FF2B5EF4-FFF2-40B4-BE49-F238E27FC236}">
@@ -13494,7 +13732,7 @@
 </p:sld>
 </file>
 
-<file path=ppt/slides/slide11.xml><?xml version="1.0" encoding="utf-8"?>
+<file path=ppt/slides/slide12.xml><?xml version="1.0" encoding="utf-8"?>
 <p:sld xmlns:a="http://schemas.openxmlformats.org/drawingml/2006/main" xmlns:r="http://schemas.openxmlformats.org/officeDocument/2006/relationships" xmlns:p="http://schemas.openxmlformats.org/presentationml/2006/main">
   <p:cSld>
     <p:spTree>
@@ -13590,7 +13828,7 @@
 </p:sld>
 </file>
 
-<file path=ppt/slides/slide12.xml><?xml version="1.0" encoding="utf-8"?>
+<file path=ppt/slides/slide13.xml><?xml version="1.0" encoding="utf-8"?>
 <p:sld xmlns:a="http://schemas.openxmlformats.org/drawingml/2006/main" xmlns:r="http://schemas.openxmlformats.org/officeDocument/2006/relationships" xmlns:p="http://schemas.openxmlformats.org/presentationml/2006/main">
   <p:cSld>
     <p:spTree>
@@ -13686,7 +13924,7 @@
 </p:sld>
 </file>
 
-<file path=ppt/slides/slide13.xml><?xml version="1.0" encoding="utf-8"?>
+<file path=ppt/slides/slide14.xml><?xml version="1.0" encoding="utf-8"?>
 <p:sld xmlns:a="http://schemas.openxmlformats.org/drawingml/2006/main" xmlns:r="http://schemas.openxmlformats.org/officeDocument/2006/relationships" xmlns:p="http://schemas.openxmlformats.org/presentationml/2006/main">
   <p:cSld>
     <p:spTree>
@@ -13948,7 +14186,7 @@
 </p:sld>
 </file>
 
-<file path=ppt/slides/slide14.xml><?xml version="1.0" encoding="utf-8"?>
+<file path=ppt/slides/slide15.xml><?xml version="1.0" encoding="utf-8"?>
 <p:sld xmlns:a="http://schemas.openxmlformats.org/drawingml/2006/main" xmlns:r="http://schemas.openxmlformats.org/officeDocument/2006/relationships" xmlns:p="http://schemas.openxmlformats.org/presentationml/2006/main">
   <p:cSld>
     <p:spTree>
@@ -14151,7 +14389,7 @@
 </p:sld>
 </file>
 
-<file path=ppt/slides/slide15.xml><?xml version="1.0" encoding="utf-8"?>
+<file path=ppt/slides/slide16.xml><?xml version="1.0" encoding="utf-8"?>
 <p:sld xmlns:a="http://schemas.openxmlformats.org/drawingml/2006/main" xmlns:r="http://schemas.openxmlformats.org/officeDocument/2006/relationships" xmlns:p="http://schemas.openxmlformats.org/presentationml/2006/main">
   <p:cSld>
     <p:spTree>
@@ -14704,6 +14942,246 @@
       </p:grpSpPr>
       <p:sp>
         <p:nvSpPr>
+          <p:cNvPr id="2" name="Title 1">
+            <a:extLst>
+              <a:ext uri="{FF2B5EF4-FFF2-40B4-BE49-F238E27FC236}">
+                <a16:creationId xmlns:a16="http://schemas.microsoft.com/office/drawing/2014/main" id="{5A9453E5-8A87-BE57-9F74-3608E819E328}"/>
+              </a:ext>
+            </a:extLst>
+          </p:cNvPr>
+          <p:cNvSpPr>
+            <a:spLocks noGrp="1"/>
+          </p:cNvSpPr>
+          <p:nvPr>
+            <p:ph type="title"/>
+          </p:nvPr>
+        </p:nvSpPr>
+        <p:spPr>
+          <a:xfrm>
+            <a:off x="639413" y="483440"/>
+            <a:ext cx="10904438" cy="583800"/>
+          </a:xfrm>
+        </p:spPr>
+        <p:txBody>
+          <a:bodyPr anchor="ctr">
+            <a:normAutofit/>
+          </a:bodyPr>
+          <a:lstStyle/>
+          <a:p>
+            <a:r>
+              <a:rPr lang="en-IE" sz="2800" dirty="0">
+                <a:latin typeface="Segoe UI" panose="020B0502040204020203" pitchFamily="34" charset="0"/>
+                <a:cs typeface="Segoe UI" panose="020B0502040204020203" pitchFamily="34" charset="0"/>
+              </a:rPr>
+              <a:t>Applications</a:t>
+            </a:r>
+            <a:r>
+              <a:rPr lang="en-IE" dirty="0"/>
+              <a:t> Being Used</a:t>
+            </a:r>
+          </a:p>
+        </p:txBody>
+      </p:sp>
+      <p:sp>
+        <p:nvSpPr>
+          <p:cNvPr id="4" name="Content Placeholder 3">
+            <a:extLst>
+              <a:ext uri="{FF2B5EF4-FFF2-40B4-BE49-F238E27FC236}">
+                <a16:creationId xmlns:a16="http://schemas.microsoft.com/office/drawing/2014/main" id="{C4A09AEE-5A44-B0E4-C242-F1FD776C8D15}"/>
+              </a:ext>
+            </a:extLst>
+          </p:cNvPr>
+          <p:cNvSpPr>
+            <a:spLocks noGrp="1"/>
+          </p:cNvSpPr>
+          <p:nvPr>
+            <p:ph sz="quarter" idx="15"/>
+          </p:nvPr>
+        </p:nvSpPr>
+        <p:spPr>
+          <a:xfrm>
+            <a:off x="838200" y="1828801"/>
+            <a:ext cx="5041900" cy="4159250"/>
+          </a:xfrm>
+        </p:spPr>
+        <p:txBody>
+          <a:bodyPr>
+            <a:noAutofit/>
+          </a:bodyPr>
+          <a:lstStyle/>
+          <a:p>
+            <a:pPr>
+              <a:lnSpc>
+                <a:spcPct val="140000"/>
+              </a:lnSpc>
+            </a:pPr>
+            <a:r>
+              <a:rPr lang="en-IE" sz="2400" b="0" i="0" dirty="0">
+                <a:solidFill>
+                  <a:srgbClr val="000000"/>
+                </a:solidFill>
+                <a:effectLst/>
+                <a:latin typeface="Segoe UI" panose="020B0502040204020203" pitchFamily="34" charset="0"/>
+                <a:cs typeface="Segoe UI" panose="020B0502040204020203" pitchFamily="34" charset="0"/>
+              </a:rPr>
+              <a:t>Computer Vision </a:t>
+            </a:r>
+          </a:p>
+          <a:p>
+            <a:pPr>
+              <a:lnSpc>
+                <a:spcPct val="140000"/>
+              </a:lnSpc>
+            </a:pPr>
+            <a:r>
+              <a:rPr lang="en-IE" sz="2400" b="0" i="0" dirty="0">
+                <a:solidFill>
+                  <a:srgbClr val="000000"/>
+                </a:solidFill>
+                <a:effectLst/>
+                <a:latin typeface="Segoe UI" panose="020B0502040204020203" pitchFamily="34" charset="0"/>
+                <a:cs typeface="Segoe UI" panose="020B0502040204020203" pitchFamily="34" charset="0"/>
+              </a:rPr>
+              <a:t>Deep Learning</a:t>
+            </a:r>
+          </a:p>
+          <a:p>
+            <a:pPr>
+              <a:lnSpc>
+                <a:spcPct val="140000"/>
+              </a:lnSpc>
+            </a:pPr>
+            <a:r>
+              <a:rPr lang="en-IE" sz="2400" b="0" i="0" dirty="0">
+                <a:solidFill>
+                  <a:srgbClr val="000000"/>
+                </a:solidFill>
+                <a:effectLst/>
+                <a:latin typeface="Segoe UI" panose="020B0502040204020203" pitchFamily="34" charset="0"/>
+                <a:cs typeface="Segoe UI" panose="020B0502040204020203" pitchFamily="34" charset="0"/>
+              </a:rPr>
+              <a:t>IoT </a:t>
+            </a:r>
+          </a:p>
+          <a:p>
+            <a:pPr>
+              <a:lnSpc>
+                <a:spcPct val="140000"/>
+              </a:lnSpc>
+            </a:pPr>
+            <a:r>
+              <a:rPr lang="en-IE" sz="2400" b="0" i="0" dirty="0">
+                <a:solidFill>
+                  <a:srgbClr val="000000"/>
+                </a:solidFill>
+                <a:effectLst/>
+                <a:latin typeface="Segoe UI" panose="020B0502040204020203" pitchFamily="34" charset="0"/>
+                <a:cs typeface="Segoe UI" panose="020B0502040204020203" pitchFamily="34" charset="0"/>
+              </a:rPr>
+              <a:t>Raspberry Pi &amp; Arduino</a:t>
+            </a:r>
+          </a:p>
+          <a:p>
+            <a:pPr>
+              <a:lnSpc>
+                <a:spcPct val="140000"/>
+              </a:lnSpc>
+            </a:pPr>
+            <a:r>
+              <a:rPr lang="en-IE" sz="2000" b="0" i="0">
+                <a:solidFill>
+                  <a:srgbClr val="000000"/>
+                </a:solidFill>
+                <a:effectLst/>
+                <a:latin typeface="Segoe UI" panose="020B0502040204020203" pitchFamily="34" charset="0"/>
+                <a:cs typeface="Segoe UI" panose="020B0502040204020203" pitchFamily="34" charset="0"/>
+              </a:rPr>
+              <a:t>Digital Twin</a:t>
+            </a:r>
+            <a:endParaRPr lang="en-IE" sz="2000" b="0" i="0" dirty="0">
+              <a:solidFill>
+                <a:srgbClr val="000000"/>
+              </a:solidFill>
+              <a:effectLst/>
+              <a:latin typeface="Segoe UI" panose="020B0502040204020203" pitchFamily="34" charset="0"/>
+              <a:cs typeface="Segoe UI" panose="020B0502040204020203" pitchFamily="34" charset="0"/>
+            </a:endParaRPr>
+          </a:p>
+          <a:p>
+            <a:pPr>
+              <a:lnSpc>
+                <a:spcPct val="140000"/>
+              </a:lnSpc>
+            </a:pPr>
+            <a:endParaRPr lang="en-US" sz="2000" b="0" i="0" dirty="0">
+              <a:effectLst/>
+              <a:latin typeface="Segoe UI" panose="020B0502040204020203" pitchFamily="34" charset="0"/>
+              <a:cs typeface="Segoe UI" panose="020B0502040204020203" pitchFamily="34" charset="0"/>
+            </a:endParaRPr>
+          </a:p>
+        </p:txBody>
+      </p:sp>
+      <p:pic>
+        <p:nvPicPr>
+          <p:cNvPr id="8" name="Picture Placeholder 7" descr="Diagram&#10;&#10;Description automatically generated">
+            <a:extLst>
+              <a:ext uri="{FF2B5EF4-FFF2-40B4-BE49-F238E27FC236}">
+                <a16:creationId xmlns:a16="http://schemas.microsoft.com/office/drawing/2014/main" id="{7634D9AF-DCAB-994F-CA9A-7ECBE9605E58}"/>
+              </a:ext>
+            </a:extLst>
+          </p:cNvPr>
+          <p:cNvPicPr>
+            <a:picLocks noGrp="1" noChangeAspect="1"/>
+          </p:cNvPicPr>
+          <p:nvPr>
+            <p:ph sz="quarter" idx="16"/>
+          </p:nvPr>
+        </p:nvPicPr>
+        <p:blipFill rotWithShape="1">
+          <a:blip r:embed="rId2"/>
+          <a:srcRect l="4860" r="3462" b="-2"/>
+          <a:stretch/>
+        </p:blipFill>
+        <p:spPr>
+          <a:xfrm>
+            <a:off x="6344703" y="2295525"/>
+            <a:ext cx="5847297" cy="3587750"/>
+          </a:xfrm>
+          <a:noFill/>
+        </p:spPr>
+      </p:pic>
+    </p:spTree>
+    <p:extLst>
+      <p:ext uri="{BB962C8B-B14F-4D97-AF65-F5344CB8AC3E}">
+        <p14:creationId xmlns:p14="http://schemas.microsoft.com/office/powerpoint/2010/main" val="2173145588"/>
+      </p:ext>
+    </p:extLst>
+  </p:cSld>
+  <p:clrMapOvr>
+    <a:masterClrMapping/>
+  </p:clrMapOvr>
+</p:sld>
+</file>
+
+<file path=ppt/slides/slide5.xml><?xml version="1.0" encoding="utf-8"?>
+<p:sld xmlns:a="http://schemas.openxmlformats.org/drawingml/2006/main" xmlns:r="http://schemas.openxmlformats.org/officeDocument/2006/relationships" xmlns:p="http://schemas.openxmlformats.org/presentationml/2006/main">
+  <p:cSld>
+    <p:spTree>
+      <p:nvGrpSpPr>
+        <p:cNvPr id="1" name=""/>
+        <p:cNvGrpSpPr/>
+        <p:nvPr/>
+      </p:nvGrpSpPr>
+      <p:grpSpPr>
+        <a:xfrm>
+          <a:off x="0" y="0"/>
+          <a:ext cx="0" cy="0"/>
+          <a:chOff x="0" y="0"/>
+          <a:chExt cx="0" cy="0"/>
+        </a:xfrm>
+      </p:grpSpPr>
+      <p:sp>
+        <p:nvSpPr>
           <p:cNvPr id="10" name="Title 1">
             <a:extLst>
               <a:ext uri="{FF2B5EF4-FFF2-40B4-BE49-F238E27FC236}">
@@ -14954,7 +15432,7 @@
 </p:sld>
 </file>
 
-<file path=ppt/slides/slide5.xml><?xml version="1.0" encoding="utf-8"?>
+<file path=ppt/slides/slide6.xml><?xml version="1.0" encoding="utf-8"?>
 <p:sld xmlns:a="http://schemas.openxmlformats.org/drawingml/2006/main" xmlns:r="http://schemas.openxmlformats.org/officeDocument/2006/relationships" xmlns:p="http://schemas.openxmlformats.org/presentationml/2006/main">
   <p:cSld>
     <p:spTree>
@@ -15128,7 +15606,7 @@
 </p:sld>
 </file>
 
-<file path=ppt/slides/slide6.xml><?xml version="1.0" encoding="utf-8"?>
+<file path=ppt/slides/slide7.xml><?xml version="1.0" encoding="utf-8"?>
 <p:sld xmlns:a="http://schemas.openxmlformats.org/drawingml/2006/main" xmlns:r="http://schemas.openxmlformats.org/officeDocument/2006/relationships" xmlns:p="http://schemas.openxmlformats.org/presentationml/2006/main">
   <p:cSld>
     <p:spTree>
@@ -15302,7 +15780,7 @@
 </p:sld>
 </file>
 
-<file path=ppt/slides/slide7.xml><?xml version="1.0" encoding="utf-8"?>
+<file path=ppt/slides/slide8.xml><?xml version="1.0" encoding="utf-8"?>
 <p:sld xmlns:a="http://schemas.openxmlformats.org/drawingml/2006/main" xmlns:r="http://schemas.openxmlformats.org/officeDocument/2006/relationships" xmlns:p="http://schemas.openxmlformats.org/presentationml/2006/main">
   <p:cSld>
     <p:spTree>
@@ -15472,7 +15950,7 @@
 </p:sld>
 </file>
 
-<file path=ppt/slides/slide8.xml><?xml version="1.0" encoding="utf-8"?>
+<file path=ppt/slides/slide9.xml><?xml version="1.0" encoding="utf-8"?>
 <p:sld xmlns:a="http://schemas.openxmlformats.org/drawingml/2006/main" xmlns:r="http://schemas.openxmlformats.org/officeDocument/2006/relationships" xmlns:p="http://schemas.openxmlformats.org/presentationml/2006/main">
   <p:cSld>
     <p:spTree>
@@ -15602,228 +16080,6 @@
     <p:extLst>
       <p:ext uri="{BB962C8B-B14F-4D97-AF65-F5344CB8AC3E}">
         <p14:creationId xmlns:p14="http://schemas.microsoft.com/office/powerpoint/2010/main" val="217956314"/>
-      </p:ext>
-    </p:extLst>
-  </p:cSld>
-  <p:clrMapOvr>
-    <a:masterClrMapping/>
-  </p:clrMapOvr>
-</p:sld>
-</file>
-
-<file path=ppt/slides/slide9.xml><?xml version="1.0" encoding="utf-8"?>
-<p:sld xmlns:a="http://schemas.openxmlformats.org/drawingml/2006/main" xmlns:r="http://schemas.openxmlformats.org/officeDocument/2006/relationships" xmlns:p="http://schemas.openxmlformats.org/presentationml/2006/main">
-  <p:cSld>
-    <p:spTree>
-      <p:nvGrpSpPr>
-        <p:cNvPr id="1" name=""/>
-        <p:cNvGrpSpPr/>
-        <p:nvPr/>
-      </p:nvGrpSpPr>
-      <p:grpSpPr>
-        <a:xfrm>
-          <a:off x="0" y="0"/>
-          <a:ext cx="0" cy="0"/>
-          <a:chOff x="0" y="0"/>
-          <a:chExt cx="0" cy="0"/>
-        </a:xfrm>
-      </p:grpSpPr>
-      <p:sp>
-        <p:nvSpPr>
-          <p:cNvPr id="2" name="TextBox 1">
-            <a:extLst>
-              <a:ext uri="{FF2B5EF4-FFF2-40B4-BE49-F238E27FC236}">
-                <a16:creationId xmlns:a16="http://schemas.microsoft.com/office/drawing/2014/main" id="{C2E6F7CB-C0DA-5740-51BE-AF9987AEAB81}"/>
-              </a:ext>
-            </a:extLst>
-          </p:cNvPr>
-          <p:cNvSpPr txBox="1"/>
-          <p:nvPr/>
-        </p:nvSpPr>
-        <p:spPr>
-          <a:xfrm>
-            <a:off x="1108430" y="3277472"/>
-            <a:ext cx="5651293" cy="1086304"/>
-          </a:xfrm>
-          <a:prstGeom prst="rect">
-            <a:avLst/>
-          </a:prstGeom>
-        </p:spPr>
-        <p:txBody>
-          <a:bodyPr vert="horz" lIns="91440" tIns="45720" rIns="91440" bIns="45720" rtlCol="0" anchor="ctr">
-            <a:normAutofit/>
-          </a:bodyPr>
-          <a:lstStyle/>
-          <a:p>
-            <a:pPr>
-              <a:lnSpc>
-                <a:spcPct val="90000"/>
-              </a:lnSpc>
-              <a:spcBef>
-                <a:spcPct val="0"/>
-              </a:spcBef>
-              <a:spcAft>
-                <a:spcPts val="600"/>
-              </a:spcAft>
-            </a:pPr>
-            <a:r>
-              <a:rPr lang="en-US" sz="4200" b="1" i="0" kern="1200" spc="150" baseline="0" dirty="0">
-                <a:solidFill>
-                  <a:schemeClr val="accent3">
-                    <a:lumMod val="90000"/>
-                  </a:schemeClr>
-                </a:solidFill>
-                <a:latin typeface="+mj-lt"/>
-                <a:ea typeface="Meiryo UI" panose="020B0604030504040204" pitchFamily="34" charset="-128"/>
-                <a:cs typeface="+mj-cs"/>
-              </a:rPr>
-              <a:t>How It’s Going</a:t>
-            </a:r>
-          </a:p>
-        </p:txBody>
-      </p:sp>
-      <p:pic>
-        <p:nvPicPr>
-          <p:cNvPr id="4" name="Picture 3" descr="Strong angle view of the waves to the shore">
-            <a:extLst>
-              <a:ext uri="{FF2B5EF4-FFF2-40B4-BE49-F238E27FC236}">
-                <a16:creationId xmlns:a16="http://schemas.microsoft.com/office/drawing/2014/main" id="{4F685B0D-94D1-A257-3DEE-22733B6278D7}"/>
-              </a:ext>
-            </a:extLst>
-          </p:cNvPr>
-          <p:cNvPicPr>
-            <a:picLocks noChangeAspect="1"/>
-          </p:cNvPicPr>
-          <p:nvPr/>
-        </p:nvPicPr>
-        <p:blipFill rotWithShape="1">
-          <a:blip r:embed="rId2"/>
-          <a:srcRect l="27737" r="11246" b="-1"/>
-          <a:stretch/>
-        </p:blipFill>
-        <p:spPr>
-          <a:xfrm>
-            <a:off x="5923125" y="10"/>
-            <a:ext cx="6268875" cy="6857990"/>
-          </a:xfrm>
-          <a:custGeom>
-            <a:avLst/>
-            <a:gdLst>
-              <a:gd name="connsiteX0" fmla="*/ 0 w 6268875"/>
-              <a:gd name="connsiteY0" fmla="*/ 0 h 6858000"/>
-              <a:gd name="connsiteX1" fmla="*/ 6268875 w 6268875"/>
-              <a:gd name="connsiteY1" fmla="*/ 0 h 6858000"/>
-              <a:gd name="connsiteX2" fmla="*/ 6268875 w 6268875"/>
-              <a:gd name="connsiteY2" fmla="*/ 6858000 h 6858000"/>
-              <a:gd name="connsiteX3" fmla="*/ 0 w 6268875"/>
-              <a:gd name="connsiteY3" fmla="*/ 6858000 h 6858000"/>
-              <a:gd name="connsiteX4" fmla="*/ 0 w 6268875"/>
-              <a:gd name="connsiteY4" fmla="*/ 5389964 h 6858000"/>
-              <a:gd name="connsiteX5" fmla="*/ 1047301 w 6268875"/>
-              <a:gd name="connsiteY5" fmla="*/ 5389964 h 6858000"/>
-              <a:gd name="connsiteX6" fmla="*/ 1047301 w 6268875"/>
-              <a:gd name="connsiteY6" fmla="*/ 2814404 h 6858000"/>
-              <a:gd name="connsiteX7" fmla="*/ 0 w 6268875"/>
-              <a:gd name="connsiteY7" fmla="*/ 2814404 h 6858000"/>
-            </a:gdLst>
-            <a:ahLst/>
-            <a:cxnLst>
-              <a:cxn ang="0">
-                <a:pos x="connsiteX0" y="connsiteY0"/>
-              </a:cxn>
-              <a:cxn ang="0">
-                <a:pos x="connsiteX1" y="connsiteY1"/>
-              </a:cxn>
-              <a:cxn ang="0">
-                <a:pos x="connsiteX2" y="connsiteY2"/>
-              </a:cxn>
-              <a:cxn ang="0">
-                <a:pos x="connsiteX3" y="connsiteY3"/>
-              </a:cxn>
-              <a:cxn ang="0">
-                <a:pos x="connsiteX4" y="connsiteY4"/>
-              </a:cxn>
-              <a:cxn ang="0">
-                <a:pos x="connsiteX5" y="connsiteY5"/>
-              </a:cxn>
-              <a:cxn ang="0">
-                <a:pos x="connsiteX6" y="connsiteY6"/>
-              </a:cxn>
-              <a:cxn ang="0">
-                <a:pos x="connsiteX7" y="connsiteY7"/>
-              </a:cxn>
-            </a:cxnLst>
-            <a:rect l="l" t="t" r="r" b="b"/>
-            <a:pathLst>
-              <a:path w="6268875" h="6858000">
-                <a:moveTo>
-                  <a:pt x="0" y="0"/>
-                </a:moveTo>
-                <a:lnTo>
-                  <a:pt x="6268875" y="0"/>
-                </a:lnTo>
-                <a:lnTo>
-                  <a:pt x="6268875" y="6858000"/>
-                </a:lnTo>
-                <a:lnTo>
-                  <a:pt x="0" y="6858000"/>
-                </a:lnTo>
-                <a:lnTo>
-                  <a:pt x="0" y="5389964"/>
-                </a:lnTo>
-                <a:lnTo>
-                  <a:pt x="1047301" y="5389964"/>
-                </a:lnTo>
-                <a:lnTo>
-                  <a:pt x="1047301" y="2814404"/>
-                </a:lnTo>
-                <a:lnTo>
-                  <a:pt x="0" y="2814404"/>
-                </a:lnTo>
-                <a:close/>
-              </a:path>
-            </a:pathLst>
-          </a:custGeom>
-          <a:noFill/>
-        </p:spPr>
-      </p:pic>
-      <p:sp>
-        <p:nvSpPr>
-          <p:cNvPr id="8" name="Text Placeholder 3">
-            <a:extLst>
-              <a:ext uri="{FF2B5EF4-FFF2-40B4-BE49-F238E27FC236}">
-                <a16:creationId xmlns:a16="http://schemas.microsoft.com/office/drawing/2014/main" id="{B49107DB-BC30-8785-3D80-013CF724DA53}"/>
-              </a:ext>
-            </a:extLst>
-          </p:cNvPr>
-          <p:cNvSpPr>
-            <a:spLocks noGrp="1"/>
-          </p:cNvSpPr>
-          <p:nvPr>
-            <p:ph type="body" sz="quarter" idx="15"/>
-          </p:nvPr>
-        </p:nvSpPr>
-        <p:spPr>
-          <a:xfrm>
-            <a:off x="1108430" y="4450080"/>
-            <a:ext cx="5651294" cy="607103"/>
-          </a:xfrm>
-        </p:spPr>
-        <p:txBody>
-          <a:bodyPr/>
-          <a:lstStyle/>
-          <a:p>
-            <a:r>
-              <a:rPr lang="en-US" dirty="0"/>
-              <a:t>(Or not going)</a:t>
-            </a:r>
-          </a:p>
-        </p:txBody>
-      </p:sp>
-    </p:spTree>
-    <p:extLst>
-      <p:ext uri="{BB962C8B-B14F-4D97-AF65-F5344CB8AC3E}">
-        <p14:creationId xmlns:p14="http://schemas.microsoft.com/office/powerpoint/2010/main" val="2314480814"/>
       </p:ext>
     </p:extLst>
   </p:cSld>
